--- a/Project-2/Project 2 Presentation.pptx
+++ b/Project-2/Project 2 Presentation.pptx
@@ -9,12 +9,12 @@
     <p:sldId id="257" r:id="rId3"/>
     <p:sldId id="258" r:id="rId4"/>
     <p:sldId id="259" r:id="rId5"/>
-    <p:sldId id="260" r:id="rId6"/>
-    <p:sldId id="261" r:id="rId7"/>
-    <p:sldId id="262" r:id="rId8"/>
-    <p:sldId id="263" r:id="rId9"/>
-    <p:sldId id="264" r:id="rId10"/>
-    <p:sldId id="265" r:id="rId11"/>
+    <p:sldId id="265" r:id="rId6"/>
+    <p:sldId id="260" r:id="rId7"/>
+    <p:sldId id="261" r:id="rId8"/>
+    <p:sldId id="262" r:id="rId9"/>
+    <p:sldId id="263" r:id="rId10"/>
+    <p:sldId id="264" r:id="rId11"/>
     <p:sldId id="266" r:id="rId12"/>
     <p:sldId id="267" r:id="rId13"/>
     <p:sldId id="268" r:id="rId14"/>
@@ -288,7 +288,7 @@
           <a:p>
             <a:fld id="{BFFE6169-7AF6-4C4F-B3B1-3C1806A6B577}" type="datetimeFigureOut">
               <a:rPr lang="en-AU" smtClean="0"/>
-              <a:t>17/10/2020</a:t>
+              <a:t>19/10/2020</a:t>
             </a:fld>
             <a:endParaRPr lang="en-AU"/>
           </a:p>
@@ -488,7 +488,7 @@
           <a:p>
             <a:fld id="{BFFE6169-7AF6-4C4F-B3B1-3C1806A6B577}" type="datetimeFigureOut">
               <a:rPr lang="en-AU" smtClean="0"/>
-              <a:t>17/10/2020</a:t>
+              <a:t>19/10/2020</a:t>
             </a:fld>
             <a:endParaRPr lang="en-AU"/>
           </a:p>
@@ -698,7 +698,7 @@
           <a:p>
             <a:fld id="{BFFE6169-7AF6-4C4F-B3B1-3C1806A6B577}" type="datetimeFigureOut">
               <a:rPr lang="en-AU" smtClean="0"/>
-              <a:t>17/10/2020</a:t>
+              <a:t>19/10/2020</a:t>
             </a:fld>
             <a:endParaRPr lang="en-AU"/>
           </a:p>
@@ -898,7 +898,7 @@
           <a:p>
             <a:fld id="{BFFE6169-7AF6-4C4F-B3B1-3C1806A6B577}" type="datetimeFigureOut">
               <a:rPr lang="en-AU" smtClean="0"/>
-              <a:t>17/10/2020</a:t>
+              <a:t>19/10/2020</a:t>
             </a:fld>
             <a:endParaRPr lang="en-AU"/>
           </a:p>
@@ -1174,7 +1174,7 @@
           <a:p>
             <a:fld id="{BFFE6169-7AF6-4C4F-B3B1-3C1806A6B577}" type="datetimeFigureOut">
               <a:rPr lang="en-AU" smtClean="0"/>
-              <a:t>17/10/2020</a:t>
+              <a:t>19/10/2020</a:t>
             </a:fld>
             <a:endParaRPr lang="en-AU"/>
           </a:p>
@@ -1442,7 +1442,7 @@
           <a:p>
             <a:fld id="{BFFE6169-7AF6-4C4F-B3B1-3C1806A6B577}" type="datetimeFigureOut">
               <a:rPr lang="en-AU" smtClean="0"/>
-              <a:t>17/10/2020</a:t>
+              <a:t>19/10/2020</a:t>
             </a:fld>
             <a:endParaRPr lang="en-AU"/>
           </a:p>
@@ -1857,7 +1857,7 @@
           <a:p>
             <a:fld id="{BFFE6169-7AF6-4C4F-B3B1-3C1806A6B577}" type="datetimeFigureOut">
               <a:rPr lang="en-AU" smtClean="0"/>
-              <a:t>17/10/2020</a:t>
+              <a:t>19/10/2020</a:t>
             </a:fld>
             <a:endParaRPr lang="en-AU"/>
           </a:p>
@@ -1999,7 +1999,7 @@
           <a:p>
             <a:fld id="{BFFE6169-7AF6-4C4F-B3B1-3C1806A6B577}" type="datetimeFigureOut">
               <a:rPr lang="en-AU" smtClean="0"/>
-              <a:t>17/10/2020</a:t>
+              <a:t>19/10/2020</a:t>
             </a:fld>
             <a:endParaRPr lang="en-AU"/>
           </a:p>
@@ -2112,7 +2112,7 @@
           <a:p>
             <a:fld id="{BFFE6169-7AF6-4C4F-B3B1-3C1806A6B577}" type="datetimeFigureOut">
               <a:rPr lang="en-AU" smtClean="0"/>
-              <a:t>17/10/2020</a:t>
+              <a:t>19/10/2020</a:t>
             </a:fld>
             <a:endParaRPr lang="en-AU"/>
           </a:p>
@@ -2425,7 +2425,7 @@
           <a:p>
             <a:fld id="{BFFE6169-7AF6-4C4F-B3B1-3C1806A6B577}" type="datetimeFigureOut">
               <a:rPr lang="en-AU" smtClean="0"/>
-              <a:t>17/10/2020</a:t>
+              <a:t>19/10/2020</a:t>
             </a:fld>
             <a:endParaRPr lang="en-AU"/>
           </a:p>
@@ -2714,7 +2714,7 @@
           <a:p>
             <a:fld id="{BFFE6169-7AF6-4C4F-B3B1-3C1806A6B577}" type="datetimeFigureOut">
               <a:rPr lang="en-AU" smtClean="0"/>
-              <a:t>17/10/2020</a:t>
+              <a:t>19/10/2020</a:t>
             </a:fld>
             <a:endParaRPr lang="en-AU"/>
           </a:p>
@@ -2957,7 +2957,7 @@
           <a:p>
             <a:fld id="{BFFE6169-7AF6-4C4F-B3B1-3C1806A6B577}" type="datetimeFigureOut">
               <a:rPr lang="en-AU" smtClean="0"/>
-              <a:t>17/10/2020</a:t>
+              <a:t>19/10/2020</a:t>
             </a:fld>
             <a:endParaRPr lang="en-AU"/>
           </a:p>
@@ -3472,7 +3472,7 @@
           <p:cNvPr id="2" name="Title 1">
             <a:extLst>
               <a:ext uri="{FF2B5EF4-FFF2-40B4-BE49-F238E27FC236}">
-                <a16:creationId xmlns:a16="http://schemas.microsoft.com/office/drawing/2014/main" id="{17385F03-A343-4E53-B277-40DD2A7DDA9F}"/>
+                <a16:creationId xmlns:a16="http://schemas.microsoft.com/office/drawing/2014/main" id="{5F9C5640-C190-420E-B77D-C2DF9C7A7E1C}"/>
               </a:ext>
             </a:extLst>
           </p:cNvPr>
@@ -3490,7 +3490,7 @@
           <a:p>
             <a:r>
               <a:rPr lang="en-AU" dirty="0"/>
-              <a:t>Summary Table</a:t>
+              <a:t>Correlation table</a:t>
             </a:r>
           </a:p>
         </p:txBody>
@@ -3500,7 +3500,7 @@
           <p:cNvPr id="4" name="Content Placeholder 3">
             <a:extLst>
               <a:ext uri="{FF2B5EF4-FFF2-40B4-BE49-F238E27FC236}">
-                <a16:creationId xmlns:a16="http://schemas.microsoft.com/office/drawing/2014/main" id="{51E0D29A-6EC4-4A43-8814-4ED6FBBE266D}"/>
+                <a16:creationId xmlns:a16="http://schemas.microsoft.com/office/drawing/2014/main" id="{45354549-9A97-40FF-ACEF-4C38406910A2}"/>
               </a:ext>
             </a:extLst>
           </p:cNvPr>
@@ -3511,14 +3511,14 @@
             <p:ph idx="1"/>
             <p:extLst>
               <p:ext uri="{D42A27DB-BD31-4B8C-83A1-F6EECF244321}">
-                <p14:modId xmlns:p14="http://schemas.microsoft.com/office/powerpoint/2010/main" val="3580351366"/>
+                <p14:modId xmlns:p14="http://schemas.microsoft.com/office/powerpoint/2010/main" val="209630792"/>
               </p:ext>
             </p:extLst>
           </p:nvPr>
         </p:nvGraphicFramePr>
         <p:xfrm>
-          <a:off x="838200" y="2218214"/>
-          <a:ext cx="10515600" cy="3566160"/>
+          <a:off x="838200" y="3132614"/>
+          <a:ext cx="10515600" cy="1737360"/>
         </p:xfrm>
         <a:graphic>
           <a:graphicData uri="http://schemas.openxmlformats.org/drawingml/2006/table">
@@ -3528,28 +3528,28 @@
                 <a:gridCol w="2628900">
                   <a:extLst>
                     <a:ext uri="{9D8B030D-6E8A-4147-A177-3AD203B41FA5}">
-                      <a16:colId xmlns:a16="http://schemas.microsoft.com/office/drawing/2014/main" val="3808330534"/>
+                      <a16:colId xmlns:a16="http://schemas.microsoft.com/office/drawing/2014/main" val="100273726"/>
                     </a:ext>
                   </a:extLst>
                 </a:gridCol>
                 <a:gridCol w="2628900">
                   <a:extLst>
                     <a:ext uri="{9D8B030D-6E8A-4147-A177-3AD203B41FA5}">
-                      <a16:colId xmlns:a16="http://schemas.microsoft.com/office/drawing/2014/main" val="131065494"/>
+                      <a16:colId xmlns:a16="http://schemas.microsoft.com/office/drawing/2014/main" val="1502110038"/>
                     </a:ext>
                   </a:extLst>
                 </a:gridCol>
                 <a:gridCol w="2628900">
                   <a:extLst>
                     <a:ext uri="{9D8B030D-6E8A-4147-A177-3AD203B41FA5}">
-                      <a16:colId xmlns:a16="http://schemas.microsoft.com/office/drawing/2014/main" val="1049744968"/>
+                      <a16:colId xmlns:a16="http://schemas.microsoft.com/office/drawing/2014/main" val="1650925398"/>
                     </a:ext>
                   </a:extLst>
                 </a:gridCol>
                 <a:gridCol w="2628900">
                   <a:extLst>
                     <a:ext uri="{9D8B030D-6E8A-4147-A177-3AD203B41FA5}">
-                      <a16:colId xmlns:a16="http://schemas.microsoft.com/office/drawing/2014/main" val="1650457840"/>
+                      <a16:colId xmlns:a16="http://schemas.microsoft.com/office/drawing/2014/main" val="1989199074"/>
                     </a:ext>
                   </a:extLst>
                 </a:gridCol>
@@ -3666,7 +3666,7 @@
                 </a:tc>
                 <a:extLst>
                   <a:ext uri="{0D108BD9-81ED-4DB2-BD59-A6C34878D82A}">
-                    <a16:rowId xmlns:a16="http://schemas.microsoft.com/office/drawing/2014/main" val="1477747449"/>
+                    <a16:rowId xmlns:a16="http://schemas.microsoft.com/office/drawing/2014/main" val="2855634522"/>
                   </a:ext>
                 </a:extLst>
               </a:tr>
@@ -3681,7 +3681,7 @@
                         <a:rPr lang="en-AU" b="1">
                           <a:effectLst/>
                         </a:rPr>
-                        <a:t>count</a:t>
+                        <a:t>Rate</a:t>
                       </a:r>
                     </a:p>
                   </a:txBody>
@@ -3713,7 +3713,7 @@
                         <a:rPr lang="en-AU">
                           <a:effectLst/>
                         </a:rPr>
-                        <a:t>51.000000</a:t>
+                        <a:t>1.000000</a:t>
                       </a:r>
                     </a:p>
                   </a:txBody>
@@ -3745,7 +3745,7 @@
                         <a:rPr lang="en-AU">
                           <a:effectLst/>
                         </a:rPr>
-                        <a:t>51.000000</a:t>
+                        <a:t>-0.888121</a:t>
                       </a:r>
                     </a:p>
                   </a:txBody>
@@ -3777,7 +3777,7 @@
                         <a:rPr lang="en-AU">
                           <a:effectLst/>
                         </a:rPr>
-                        <a:t>51.000000</a:t>
+                        <a:t>-0.773419</a:t>
                       </a:r>
                     </a:p>
                   </a:txBody>
@@ -3798,7 +3798,7 @@
                 </a:tc>
                 <a:extLst>
                   <a:ext uri="{0D108BD9-81ED-4DB2-BD59-A6C34878D82A}">
-                    <a16:rowId xmlns:a16="http://schemas.microsoft.com/office/drawing/2014/main" val="690539546"/>
+                    <a16:rowId xmlns:a16="http://schemas.microsoft.com/office/drawing/2014/main" val="3146850224"/>
                   </a:ext>
                 </a:extLst>
               </a:tr>
@@ -3813,7 +3813,7 @@
                         <a:rPr lang="en-AU" b="1">
                           <a:effectLst/>
                         </a:rPr>
-                        <a:t>mean</a:t>
+                        <a:t>Verbal</a:t>
                       </a:r>
                     </a:p>
                   </a:txBody>
@@ -3842,7 +3842,7 @@
                         <a:rPr lang="en-AU">
                           <a:effectLst/>
                         </a:rPr>
-                        <a:t>37.000000</a:t>
+                        <a:t>-0.888121</a:t>
                       </a:r>
                     </a:p>
                   </a:txBody>
@@ -3871,7 +3871,7 @@
                         <a:rPr lang="en-AU">
                           <a:effectLst/>
                         </a:rPr>
-                        <a:t>532.529412</a:t>
+                        <a:t>1.000000</a:t>
                       </a:r>
                     </a:p>
                   </a:txBody>
@@ -3900,7 +3900,7 @@
                         <a:rPr lang="en-AU">
                           <a:effectLst/>
                         </a:rPr>
-                        <a:t>531.843137</a:t>
+                        <a:t>0.899909</a:t>
                       </a:r>
                     </a:p>
                   </a:txBody>
@@ -3921,7 +3921,7 @@
                 </a:tc>
                 <a:extLst>
                   <a:ext uri="{0D108BD9-81ED-4DB2-BD59-A6C34878D82A}">
-                    <a16:rowId xmlns:a16="http://schemas.microsoft.com/office/drawing/2014/main" val="676588925"/>
+                    <a16:rowId xmlns:a16="http://schemas.microsoft.com/office/drawing/2014/main" val="2701283278"/>
                   </a:ext>
                 </a:extLst>
               </a:tr>
@@ -3936,7 +3936,7 @@
                         <a:rPr lang="en-AU" b="1">
                           <a:effectLst/>
                         </a:rPr>
-                        <a:t>std</a:t>
+                        <a:t>Math</a:t>
                       </a:r>
                     </a:p>
                   </a:txBody>
@@ -3968,7 +3968,7 @@
                         <a:rPr lang="en-AU">
                           <a:effectLst/>
                         </a:rPr>
-                        <a:t>27.550681</a:t>
+                        <a:t>-0.773419</a:t>
                       </a:r>
                     </a:p>
                   </a:txBody>
@@ -4000,7 +4000,7 @@
                         <a:rPr lang="en-AU">
                           <a:effectLst/>
                         </a:rPr>
-                        <a:t>33.360667</a:t>
+                        <a:t>0.899909</a:t>
                       </a:r>
                     </a:p>
                   </a:txBody>
@@ -4029,10 +4029,10 @@
                     <a:p>
                       <a:pPr algn="r" fontAlgn="ctr"/>
                       <a:r>
-                        <a:rPr lang="en-AU">
-                          <a:effectLst/>
-                        </a:rPr>
-                        <a:t>36.287393</a:t>
+                        <a:rPr lang="en-AU" dirty="0">
+                          <a:effectLst/>
+                        </a:rPr>
+                        <a:t>1.000000</a:t>
                       </a:r>
                     </a:p>
                   </a:txBody>
@@ -4056,646 +4056,7 @@
                 </a:tc>
                 <a:extLst>
                   <a:ext uri="{0D108BD9-81ED-4DB2-BD59-A6C34878D82A}">
-                    <a16:rowId xmlns:a16="http://schemas.microsoft.com/office/drawing/2014/main" val="4225027025"/>
-                  </a:ext>
-                </a:extLst>
-              </a:tr>
-              <a:tr h="0">
-                <a:tc>
-                  <a:txBody>
-                    <a:bodyPr/>
-                    <a:lstStyle/>
-                    <a:p>
-                      <a:pPr algn="r" fontAlgn="ctr"/>
-                      <a:r>
-                        <a:rPr lang="en-AU" b="1">
-                          <a:effectLst/>
-                        </a:rPr>
-                        <a:t>min</a:t>
-                      </a:r>
-                    </a:p>
-                  </a:txBody>
-                  <a:tcPr anchor="ctr">
-                    <a:lnL>
-                      <a:noFill/>
-                    </a:lnL>
-                    <a:lnR>
-                      <a:noFill/>
-                    </a:lnR>
-                    <a:lnT>
-                      <a:noFill/>
-                    </a:lnT>
-                    <a:lnB>
-                      <a:noFill/>
-                    </a:lnB>
-                  </a:tcPr>
-                </a:tc>
-                <a:tc>
-                  <a:txBody>
-                    <a:bodyPr/>
-                    <a:lstStyle/>
-                    <a:p>
-                      <a:pPr algn="r" fontAlgn="ctr"/>
-                      <a:r>
-                        <a:rPr lang="en-AU">
-                          <a:effectLst/>
-                        </a:rPr>
-                        <a:t>4.000000</a:t>
-                      </a:r>
-                    </a:p>
-                  </a:txBody>
-                  <a:tcPr anchor="ctr">
-                    <a:lnL>
-                      <a:noFill/>
-                    </a:lnL>
-                    <a:lnR>
-                      <a:noFill/>
-                    </a:lnR>
-                    <a:lnT>
-                      <a:noFill/>
-                    </a:lnT>
-                    <a:lnB>
-                      <a:noFill/>
-                    </a:lnB>
-                  </a:tcPr>
-                </a:tc>
-                <a:tc>
-                  <a:txBody>
-                    <a:bodyPr/>
-                    <a:lstStyle/>
-                    <a:p>
-                      <a:pPr algn="r" fontAlgn="ctr"/>
-                      <a:r>
-                        <a:rPr lang="en-AU">
-                          <a:effectLst/>
-                        </a:rPr>
-                        <a:t>482.000000</a:t>
-                      </a:r>
-                    </a:p>
-                  </a:txBody>
-                  <a:tcPr anchor="ctr">
-                    <a:lnL>
-                      <a:noFill/>
-                    </a:lnL>
-                    <a:lnR>
-                      <a:noFill/>
-                    </a:lnR>
-                    <a:lnT>
-                      <a:noFill/>
-                    </a:lnT>
-                    <a:lnB>
-                      <a:noFill/>
-                    </a:lnB>
-                  </a:tcPr>
-                </a:tc>
-                <a:tc>
-                  <a:txBody>
-                    <a:bodyPr/>
-                    <a:lstStyle/>
-                    <a:p>
-                      <a:pPr algn="r" fontAlgn="ctr"/>
-                      <a:r>
-                        <a:rPr lang="en-AU">
-                          <a:effectLst/>
-                        </a:rPr>
-                        <a:t>439.000000</a:t>
-                      </a:r>
-                    </a:p>
-                  </a:txBody>
-                  <a:tcPr anchor="ctr">
-                    <a:lnL>
-                      <a:noFill/>
-                    </a:lnL>
-                    <a:lnR>
-                      <a:noFill/>
-                    </a:lnR>
-                    <a:lnT>
-                      <a:noFill/>
-                    </a:lnT>
-                    <a:lnB>
-                      <a:noFill/>
-                    </a:lnB>
-                  </a:tcPr>
-                </a:tc>
-                <a:extLst>
-                  <a:ext uri="{0D108BD9-81ED-4DB2-BD59-A6C34878D82A}">
-                    <a16:rowId xmlns:a16="http://schemas.microsoft.com/office/drawing/2014/main" val="3363850163"/>
-                  </a:ext>
-                </a:extLst>
-              </a:tr>
-              <a:tr h="0">
-                <a:tc>
-                  <a:txBody>
-                    <a:bodyPr/>
-                    <a:lstStyle/>
-                    <a:p>
-                      <a:pPr algn="r" fontAlgn="ctr"/>
-                      <a:r>
-                        <a:rPr lang="en-AU" b="1">
-                          <a:effectLst/>
-                        </a:rPr>
-                        <a:t>25%</a:t>
-                      </a:r>
-                    </a:p>
-                  </a:txBody>
-                  <a:tcPr anchor="ctr">
-                    <a:lnL>
-                      <a:noFill/>
-                    </a:lnL>
-                    <a:lnR>
-                      <a:noFill/>
-                    </a:lnR>
-                    <a:lnT>
-                      <a:noFill/>
-                    </a:lnT>
-                    <a:lnB>
-                      <a:noFill/>
-                    </a:lnB>
-                    <a:solidFill>
-                      <a:srgbClr val="F5F5F5"/>
-                    </a:solidFill>
-                  </a:tcPr>
-                </a:tc>
-                <a:tc>
-                  <a:txBody>
-                    <a:bodyPr/>
-                    <a:lstStyle/>
-                    <a:p>
-                      <a:pPr algn="r" fontAlgn="ctr"/>
-                      <a:r>
-                        <a:rPr lang="en-AU">
-                          <a:effectLst/>
-                        </a:rPr>
-                        <a:t>9.000000</a:t>
-                      </a:r>
-                    </a:p>
-                  </a:txBody>
-                  <a:tcPr anchor="ctr">
-                    <a:lnL>
-                      <a:noFill/>
-                    </a:lnL>
-                    <a:lnR>
-                      <a:noFill/>
-                    </a:lnR>
-                    <a:lnT>
-                      <a:noFill/>
-                    </a:lnT>
-                    <a:lnB>
-                      <a:noFill/>
-                    </a:lnB>
-                    <a:solidFill>
-                      <a:srgbClr val="F5F5F5"/>
-                    </a:solidFill>
-                  </a:tcPr>
-                </a:tc>
-                <a:tc>
-                  <a:txBody>
-                    <a:bodyPr/>
-                    <a:lstStyle/>
-                    <a:p>
-                      <a:pPr algn="r" fontAlgn="ctr"/>
-                      <a:r>
-                        <a:rPr lang="en-AU">
-                          <a:effectLst/>
-                        </a:rPr>
-                        <a:t>501.000000</a:t>
-                      </a:r>
-                    </a:p>
-                  </a:txBody>
-                  <a:tcPr anchor="ctr">
-                    <a:lnL>
-                      <a:noFill/>
-                    </a:lnL>
-                    <a:lnR>
-                      <a:noFill/>
-                    </a:lnR>
-                    <a:lnT>
-                      <a:noFill/>
-                    </a:lnT>
-                    <a:lnB>
-                      <a:noFill/>
-                    </a:lnB>
-                    <a:solidFill>
-                      <a:srgbClr val="F5F5F5"/>
-                    </a:solidFill>
-                  </a:tcPr>
-                </a:tc>
-                <a:tc>
-                  <a:txBody>
-                    <a:bodyPr/>
-                    <a:lstStyle/>
-                    <a:p>
-                      <a:pPr algn="r" fontAlgn="ctr"/>
-                      <a:r>
-                        <a:rPr lang="en-AU">
-                          <a:effectLst/>
-                        </a:rPr>
-                        <a:t>503.000000</a:t>
-                      </a:r>
-                    </a:p>
-                  </a:txBody>
-                  <a:tcPr anchor="ctr">
-                    <a:lnL>
-                      <a:noFill/>
-                    </a:lnL>
-                    <a:lnR>
-                      <a:noFill/>
-                    </a:lnR>
-                    <a:lnT>
-                      <a:noFill/>
-                    </a:lnT>
-                    <a:lnB>
-                      <a:noFill/>
-                    </a:lnB>
-                    <a:solidFill>
-                      <a:srgbClr val="F5F5F5"/>
-                    </a:solidFill>
-                  </a:tcPr>
-                </a:tc>
-                <a:extLst>
-                  <a:ext uri="{0D108BD9-81ED-4DB2-BD59-A6C34878D82A}">
-                    <a16:rowId xmlns:a16="http://schemas.microsoft.com/office/drawing/2014/main" val="439980139"/>
-                  </a:ext>
-                </a:extLst>
-              </a:tr>
-              <a:tr h="0">
-                <a:tc>
-                  <a:txBody>
-                    <a:bodyPr/>
-                    <a:lstStyle/>
-                    <a:p>
-                      <a:pPr algn="r" fontAlgn="ctr"/>
-                      <a:r>
-                        <a:rPr lang="en-AU" b="1">
-                          <a:effectLst/>
-                        </a:rPr>
-                        <a:t>50%</a:t>
-                      </a:r>
-                    </a:p>
-                  </a:txBody>
-                  <a:tcPr anchor="ctr">
-                    <a:lnL>
-                      <a:noFill/>
-                    </a:lnL>
-                    <a:lnR>
-                      <a:noFill/>
-                    </a:lnR>
-                    <a:lnT>
-                      <a:noFill/>
-                    </a:lnT>
-                    <a:lnB>
-                      <a:noFill/>
-                    </a:lnB>
-                  </a:tcPr>
-                </a:tc>
-                <a:tc>
-                  <a:txBody>
-                    <a:bodyPr/>
-                    <a:lstStyle/>
-                    <a:p>
-                      <a:pPr algn="r" fontAlgn="ctr"/>
-                      <a:r>
-                        <a:rPr lang="en-AU">
-                          <a:effectLst/>
-                        </a:rPr>
-                        <a:t>33.000000</a:t>
-                      </a:r>
-                    </a:p>
-                  </a:txBody>
-                  <a:tcPr anchor="ctr">
-                    <a:lnL>
-                      <a:noFill/>
-                    </a:lnL>
-                    <a:lnR>
-                      <a:noFill/>
-                    </a:lnR>
-                    <a:lnT>
-                      <a:noFill/>
-                    </a:lnT>
-                    <a:lnB>
-                      <a:noFill/>
-                    </a:lnB>
-                  </a:tcPr>
-                </a:tc>
-                <a:tc>
-                  <a:txBody>
-                    <a:bodyPr/>
-                    <a:lstStyle/>
-                    <a:p>
-                      <a:pPr algn="r" fontAlgn="ctr"/>
-                      <a:r>
-                        <a:rPr lang="en-AU">
-                          <a:effectLst/>
-                        </a:rPr>
-                        <a:t>527.000000</a:t>
-                      </a:r>
-                    </a:p>
-                  </a:txBody>
-                  <a:tcPr anchor="ctr">
-                    <a:lnL>
-                      <a:noFill/>
-                    </a:lnL>
-                    <a:lnR>
-                      <a:noFill/>
-                    </a:lnR>
-                    <a:lnT>
-                      <a:noFill/>
-                    </a:lnT>
-                    <a:lnB>
-                      <a:noFill/>
-                    </a:lnB>
-                  </a:tcPr>
-                </a:tc>
-                <a:tc>
-                  <a:txBody>
-                    <a:bodyPr/>
-                    <a:lstStyle/>
-                    <a:p>
-                      <a:pPr algn="r" fontAlgn="ctr"/>
-                      <a:r>
-                        <a:rPr lang="en-AU">
-                          <a:effectLst/>
-                        </a:rPr>
-                        <a:t>525.000000</a:t>
-                      </a:r>
-                    </a:p>
-                  </a:txBody>
-                  <a:tcPr anchor="ctr">
-                    <a:lnL>
-                      <a:noFill/>
-                    </a:lnL>
-                    <a:lnR>
-                      <a:noFill/>
-                    </a:lnR>
-                    <a:lnT>
-                      <a:noFill/>
-                    </a:lnT>
-                    <a:lnB>
-                      <a:noFill/>
-                    </a:lnB>
-                  </a:tcPr>
-                </a:tc>
-                <a:extLst>
-                  <a:ext uri="{0D108BD9-81ED-4DB2-BD59-A6C34878D82A}">
-                    <a16:rowId xmlns:a16="http://schemas.microsoft.com/office/drawing/2014/main" val="3956113784"/>
-                  </a:ext>
-                </a:extLst>
-              </a:tr>
-              <a:tr h="0">
-                <a:tc>
-                  <a:txBody>
-                    <a:bodyPr/>
-                    <a:lstStyle/>
-                    <a:p>
-                      <a:pPr algn="r" fontAlgn="ctr"/>
-                      <a:r>
-                        <a:rPr lang="en-AU" b="1">
-                          <a:effectLst/>
-                        </a:rPr>
-                        <a:t>75%</a:t>
-                      </a:r>
-                    </a:p>
-                  </a:txBody>
-                  <a:tcPr anchor="ctr">
-                    <a:lnL>
-                      <a:noFill/>
-                    </a:lnL>
-                    <a:lnR>
-                      <a:noFill/>
-                    </a:lnR>
-                    <a:lnT>
-                      <a:noFill/>
-                    </a:lnT>
-                    <a:lnB>
-                      <a:noFill/>
-                    </a:lnB>
-                    <a:solidFill>
-                      <a:srgbClr val="F5F5F5"/>
-                    </a:solidFill>
-                  </a:tcPr>
-                </a:tc>
-                <a:tc>
-                  <a:txBody>
-                    <a:bodyPr/>
-                    <a:lstStyle/>
-                    <a:p>
-                      <a:pPr algn="r" fontAlgn="ctr"/>
-                      <a:r>
-                        <a:rPr lang="en-AU">
-                          <a:effectLst/>
-                        </a:rPr>
-                        <a:t>64.000000</a:t>
-                      </a:r>
-                    </a:p>
-                  </a:txBody>
-                  <a:tcPr anchor="ctr">
-                    <a:lnL>
-                      <a:noFill/>
-                    </a:lnL>
-                    <a:lnR>
-                      <a:noFill/>
-                    </a:lnR>
-                    <a:lnT>
-                      <a:noFill/>
-                    </a:lnT>
-                    <a:lnB>
-                      <a:noFill/>
-                    </a:lnB>
-                    <a:solidFill>
-                      <a:srgbClr val="F5F5F5"/>
-                    </a:solidFill>
-                  </a:tcPr>
-                </a:tc>
-                <a:tc>
-                  <a:txBody>
-                    <a:bodyPr/>
-                    <a:lstStyle/>
-                    <a:p>
-                      <a:pPr algn="r" fontAlgn="ctr"/>
-                      <a:r>
-                        <a:rPr lang="en-AU">
-                          <a:effectLst/>
-                        </a:rPr>
-                        <a:t>562.000000</a:t>
-                      </a:r>
-                    </a:p>
-                  </a:txBody>
-                  <a:tcPr anchor="ctr">
-                    <a:lnL>
-                      <a:noFill/>
-                    </a:lnL>
-                    <a:lnR>
-                      <a:noFill/>
-                    </a:lnR>
-                    <a:lnT>
-                      <a:noFill/>
-                    </a:lnT>
-                    <a:lnB>
-                      <a:noFill/>
-                    </a:lnB>
-                    <a:solidFill>
-                      <a:srgbClr val="F5F5F5"/>
-                    </a:solidFill>
-                  </a:tcPr>
-                </a:tc>
-                <a:tc>
-                  <a:txBody>
-                    <a:bodyPr/>
-                    <a:lstStyle/>
-                    <a:p>
-                      <a:pPr algn="r" fontAlgn="ctr"/>
-                      <a:r>
-                        <a:rPr lang="en-AU">
-                          <a:effectLst/>
-                        </a:rPr>
-                        <a:t>557.500000</a:t>
-                      </a:r>
-                    </a:p>
-                  </a:txBody>
-                  <a:tcPr anchor="ctr">
-                    <a:lnL>
-                      <a:noFill/>
-                    </a:lnL>
-                    <a:lnR>
-                      <a:noFill/>
-                    </a:lnR>
-                    <a:lnT>
-                      <a:noFill/>
-                    </a:lnT>
-                    <a:lnB>
-                      <a:noFill/>
-                    </a:lnB>
-                    <a:solidFill>
-                      <a:srgbClr val="F5F5F5"/>
-                    </a:solidFill>
-                  </a:tcPr>
-                </a:tc>
-                <a:extLst>
-                  <a:ext uri="{0D108BD9-81ED-4DB2-BD59-A6C34878D82A}">
-                    <a16:rowId xmlns:a16="http://schemas.microsoft.com/office/drawing/2014/main" val="449103444"/>
-                  </a:ext>
-                </a:extLst>
-              </a:tr>
-              <a:tr h="0">
-                <a:tc>
-                  <a:txBody>
-                    <a:bodyPr/>
-                    <a:lstStyle/>
-                    <a:p>
-                      <a:pPr algn="r" fontAlgn="ctr"/>
-                      <a:r>
-                        <a:rPr lang="en-AU" b="1">
-                          <a:effectLst/>
-                        </a:rPr>
-                        <a:t>max</a:t>
-                      </a:r>
-                    </a:p>
-                  </a:txBody>
-                  <a:tcPr anchor="ctr">
-                    <a:lnL>
-                      <a:noFill/>
-                    </a:lnL>
-                    <a:lnR>
-                      <a:noFill/>
-                    </a:lnR>
-                    <a:lnT>
-                      <a:noFill/>
-                    </a:lnT>
-                    <a:lnB>
-                      <a:noFill/>
-                    </a:lnB>
-                  </a:tcPr>
-                </a:tc>
-                <a:tc>
-                  <a:txBody>
-                    <a:bodyPr/>
-                    <a:lstStyle/>
-                    <a:p>
-                      <a:pPr algn="r" fontAlgn="ctr"/>
-                      <a:r>
-                        <a:rPr lang="en-AU">
-                          <a:effectLst/>
-                        </a:rPr>
-                        <a:t>82.000000</a:t>
-                      </a:r>
-                    </a:p>
-                  </a:txBody>
-                  <a:tcPr anchor="ctr">
-                    <a:lnL>
-                      <a:noFill/>
-                    </a:lnL>
-                    <a:lnR>
-                      <a:noFill/>
-                    </a:lnR>
-                    <a:lnT>
-                      <a:noFill/>
-                    </a:lnT>
-                    <a:lnB>
-                      <a:noFill/>
-                    </a:lnB>
-                  </a:tcPr>
-                </a:tc>
-                <a:tc>
-                  <a:txBody>
-                    <a:bodyPr/>
-                    <a:lstStyle/>
-                    <a:p>
-                      <a:pPr algn="r" fontAlgn="ctr"/>
-                      <a:r>
-                        <a:rPr lang="en-AU">
-                          <a:effectLst/>
-                        </a:rPr>
-                        <a:t>593.000000</a:t>
-                      </a:r>
-                    </a:p>
-                  </a:txBody>
-                  <a:tcPr anchor="ctr">
-                    <a:lnL>
-                      <a:noFill/>
-                    </a:lnL>
-                    <a:lnR>
-                      <a:noFill/>
-                    </a:lnR>
-                    <a:lnT>
-                      <a:noFill/>
-                    </a:lnT>
-                    <a:lnB>
-                      <a:noFill/>
-                    </a:lnB>
-                  </a:tcPr>
-                </a:tc>
-                <a:tc>
-                  <a:txBody>
-                    <a:bodyPr/>
-                    <a:lstStyle/>
-                    <a:p>
-                      <a:pPr algn="r" fontAlgn="ctr"/>
-                      <a:r>
-                        <a:rPr lang="en-AU" dirty="0">
-                          <a:effectLst/>
-                        </a:rPr>
-                        <a:t>603.000000</a:t>
-                      </a:r>
-                    </a:p>
-                  </a:txBody>
-                  <a:tcPr anchor="ctr">
-                    <a:lnL>
-                      <a:noFill/>
-                    </a:lnL>
-                    <a:lnR>
-                      <a:noFill/>
-                    </a:lnR>
-                    <a:lnT>
-                      <a:noFill/>
-                    </a:lnT>
-                    <a:lnB>
-                      <a:noFill/>
-                    </a:lnB>
-                  </a:tcPr>
-                </a:tc>
-                <a:extLst>
-                  <a:ext uri="{0D108BD9-81ED-4DB2-BD59-A6C34878D82A}">
-                    <a16:rowId xmlns:a16="http://schemas.microsoft.com/office/drawing/2014/main" val="802498399"/>
+                    <a16:rowId xmlns:a16="http://schemas.microsoft.com/office/drawing/2014/main" val="3056126282"/>
                   </a:ext>
                 </a:extLst>
               </a:tr>
@@ -4706,7 +4067,7 @@
     </p:spTree>
     <p:extLst>
       <p:ext uri="{BB962C8B-B14F-4D97-AF65-F5344CB8AC3E}">
-        <p14:creationId xmlns:p14="http://schemas.microsoft.com/office/powerpoint/2010/main" val="935353973"/>
+        <p14:creationId xmlns:p14="http://schemas.microsoft.com/office/powerpoint/2010/main" val="2496295884"/>
       </p:ext>
     </p:extLst>
   </p:cSld>
@@ -4758,31 +4119,6 @@
               <a:rPr lang="en-AU" dirty="0"/>
               <a:t>End of SAT</a:t>
             </a:r>
-          </a:p>
-        </p:txBody>
-      </p:sp>
-      <p:sp>
-        <p:nvSpPr>
-          <p:cNvPr id="3" name="Content Placeholder 2">
-            <a:extLst>
-              <a:ext uri="{FF2B5EF4-FFF2-40B4-BE49-F238E27FC236}">
-                <a16:creationId xmlns:a16="http://schemas.microsoft.com/office/drawing/2014/main" id="{0C5EAECC-7421-40AA-834F-9BBE992B097E}"/>
-              </a:ext>
-            </a:extLst>
-          </p:cNvPr>
-          <p:cNvSpPr>
-            <a:spLocks noGrp="1"/>
-          </p:cNvSpPr>
-          <p:nvPr>
-            <p:ph idx="1"/>
-          </p:nvPr>
-        </p:nvSpPr>
-        <p:spPr/>
-        <p:txBody>
-          <a:bodyPr/>
-          <a:lstStyle/>
-          <a:p>
-            <a:endParaRPr lang="en-AU"/>
           </a:p>
         </p:txBody>
       </p:sp>
@@ -5212,74 +4548,79 @@
           </p:cNvGraphicFramePr>
           <p:nvPr>
             <p:ph idx="1"/>
+            <p:extLst>
+              <p:ext uri="{D42A27DB-BD31-4B8C-83A1-F6EECF244321}">
+                <p14:modId xmlns:p14="http://schemas.microsoft.com/office/powerpoint/2010/main" val="869861665"/>
+              </p:ext>
+            </p:extLst>
           </p:nvPr>
         </p:nvGraphicFramePr>
         <p:xfrm>
-          <a:off x="3376416" y="1825625"/>
-          <a:ext cx="5439168" cy="4351338"/>
+          <a:off x="1375575" y="1825625"/>
+          <a:ext cx="8977023" cy="4351338"/>
         </p:xfrm>
         <a:graphic>
           <a:graphicData uri="http://schemas.openxmlformats.org/drawingml/2006/table">
             <a:tbl>
               <a:tblPr/>
               <a:tblGrid>
-                <a:gridCol w="604352">
+                <a:gridCol w="997447">
                   <a:extLst>
                     <a:ext uri="{9D8B030D-6E8A-4147-A177-3AD203B41FA5}">
                       <a16:colId xmlns:a16="http://schemas.microsoft.com/office/drawing/2014/main" val="1583206936"/>
                     </a:ext>
                   </a:extLst>
                 </a:gridCol>
-                <a:gridCol w="604352">
+                <a:gridCol w="997447">
                   <a:extLst>
                     <a:ext uri="{9D8B030D-6E8A-4147-A177-3AD203B41FA5}">
                       <a16:colId xmlns:a16="http://schemas.microsoft.com/office/drawing/2014/main" val="1650007900"/>
                     </a:ext>
                   </a:extLst>
                 </a:gridCol>
-                <a:gridCol w="604352">
+                <a:gridCol w="997447">
                   <a:extLst>
                     <a:ext uri="{9D8B030D-6E8A-4147-A177-3AD203B41FA5}">
                       <a16:colId xmlns:a16="http://schemas.microsoft.com/office/drawing/2014/main" val="2606472364"/>
                     </a:ext>
                   </a:extLst>
                 </a:gridCol>
-                <a:gridCol w="604352">
+                <a:gridCol w="997447">
                   <a:extLst>
                     <a:ext uri="{9D8B030D-6E8A-4147-A177-3AD203B41FA5}">
                       <a16:colId xmlns:a16="http://schemas.microsoft.com/office/drawing/2014/main" val="3875189815"/>
                     </a:ext>
                   </a:extLst>
                 </a:gridCol>
-                <a:gridCol w="604352">
+                <a:gridCol w="997447">
                   <a:extLst>
                     <a:ext uri="{9D8B030D-6E8A-4147-A177-3AD203B41FA5}">
                       <a16:colId xmlns:a16="http://schemas.microsoft.com/office/drawing/2014/main" val="3698445563"/>
                     </a:ext>
                   </a:extLst>
                 </a:gridCol>
-                <a:gridCol w="604352">
+                <a:gridCol w="997447">
                   <a:extLst>
                     <a:ext uri="{9D8B030D-6E8A-4147-A177-3AD203B41FA5}">
                       <a16:colId xmlns:a16="http://schemas.microsoft.com/office/drawing/2014/main" val="2488829201"/>
                     </a:ext>
                   </a:extLst>
                 </a:gridCol>
-                <a:gridCol w="604352">
+                <a:gridCol w="997447">
                   <a:extLst>
                     <a:ext uri="{9D8B030D-6E8A-4147-A177-3AD203B41FA5}">
                       <a16:colId xmlns:a16="http://schemas.microsoft.com/office/drawing/2014/main" val="3176968301"/>
                     </a:ext>
                   </a:extLst>
                 </a:gridCol>
-                <a:gridCol w="604352">
+                <a:gridCol w="997447">
                   <a:extLst>
                     <a:ext uri="{9D8B030D-6E8A-4147-A177-3AD203B41FA5}">
                       <a16:colId xmlns:a16="http://schemas.microsoft.com/office/drawing/2014/main" val="1007219066"/>
                     </a:ext>
                   </a:extLst>
                 </a:gridCol>
-                <a:gridCol w="604352">
+                <a:gridCol w="997447">
                   <a:extLst>
                     <a:ext uri="{9D8B030D-6E8A-4147-A177-3AD203B41FA5}">
                       <a16:colId xmlns:a16="http://schemas.microsoft.com/office/drawing/2014/main" val="3500336742"/>
@@ -5294,16 +4635,187 @@
                     <a:lstStyle/>
                     <a:p>
                       <a:pPr algn="r" fontAlgn="ctr"/>
+                      <a:endParaRPr lang="en-AU" sz="900" b="1" dirty="0">
+                        <a:effectLst/>
+                      </a:endParaRPr>
+                    </a:p>
+                  </a:txBody>
+                  <a:tcPr marL="47297" marR="47297" marT="23649" marB="23649" anchor="ctr">
+                    <a:lnL>
+                      <a:noFill/>
+                    </a:lnL>
+                    <a:lnR>
+                      <a:noFill/>
+                    </a:lnR>
+                    <a:lnT>
+                      <a:noFill/>
+                    </a:lnT>
+                    <a:lnB>
+                      <a:noFill/>
+                    </a:lnB>
+                  </a:tcPr>
+                </a:tc>
+                <a:tc>
+                  <a:txBody>
+                    <a:bodyPr/>
+                    <a:lstStyle/>
+                    <a:p>
+                      <a:pPr algn="r" fontAlgn="ctr"/>
                       <a:br>
+                        <a:rPr lang="en-AU" sz="900" b="1" dirty="0">
+                          <a:effectLst/>
+                        </a:rPr>
+                      </a:br>
+                      <a:r>
+                        <a:rPr lang="en-AU" sz="900" b="1" dirty="0">
+                          <a:effectLst/>
+                        </a:rPr>
+                        <a:t>count</a:t>
+                      </a:r>
+                    </a:p>
+                  </a:txBody>
+                  <a:tcPr marL="47297" marR="47297" marT="23649" marB="23649" anchor="ctr">
+                    <a:lnL>
+                      <a:noFill/>
+                    </a:lnL>
+                    <a:lnR>
+                      <a:noFill/>
+                    </a:lnR>
+                    <a:lnT>
+                      <a:noFill/>
+                    </a:lnT>
+                    <a:lnB>
+                      <a:noFill/>
+                    </a:lnB>
+                  </a:tcPr>
+                </a:tc>
+                <a:tc>
+                  <a:txBody>
+                    <a:bodyPr/>
+                    <a:lstStyle/>
+                    <a:p>
+                      <a:pPr algn="r" fontAlgn="ctr"/>
+                      <a:r>
+                        <a:rPr lang="en-AU" sz="900" b="1" dirty="0">
+                          <a:effectLst/>
+                        </a:rPr>
+                        <a:t>mean</a:t>
+                      </a:r>
+                    </a:p>
+                  </a:txBody>
+                  <a:tcPr marL="47297" marR="47297" marT="23649" marB="23649" anchor="ctr">
+                    <a:lnL>
+                      <a:noFill/>
+                    </a:lnL>
+                    <a:lnR>
+                      <a:noFill/>
+                    </a:lnR>
+                    <a:lnT>
+                      <a:noFill/>
+                    </a:lnT>
+                    <a:lnB>
+                      <a:noFill/>
+                    </a:lnB>
+                  </a:tcPr>
+                </a:tc>
+                <a:tc>
+                  <a:txBody>
+                    <a:bodyPr/>
+                    <a:lstStyle/>
+                    <a:p>
+                      <a:pPr algn="r" fontAlgn="ctr"/>
+                      <a:r>
+                        <a:rPr lang="en-AU" sz="900" b="1" dirty="0">
+                          <a:effectLst/>
+                        </a:rPr>
+                        <a:t>std</a:t>
+                      </a:r>
+                    </a:p>
+                  </a:txBody>
+                  <a:tcPr marL="47297" marR="47297" marT="23649" marB="23649" anchor="ctr">
+                    <a:lnL>
+                      <a:noFill/>
+                    </a:lnL>
+                    <a:lnR>
+                      <a:noFill/>
+                    </a:lnR>
+                    <a:lnT>
+                      <a:noFill/>
+                    </a:lnT>
+                    <a:lnB>
+                      <a:noFill/>
+                    </a:lnB>
+                  </a:tcPr>
+                </a:tc>
+                <a:tc>
+                  <a:txBody>
+                    <a:bodyPr/>
+                    <a:lstStyle/>
+                    <a:p>
+                      <a:pPr algn="r" fontAlgn="ctr"/>
+                      <a:r>
+                        <a:rPr lang="en-AU" sz="900" b="1" dirty="0">
+                          <a:effectLst/>
+                        </a:rPr>
+                        <a:t>min</a:t>
+                      </a:r>
+                    </a:p>
+                  </a:txBody>
+                  <a:tcPr marL="47297" marR="47297" marT="23649" marB="23649" anchor="ctr">
+                    <a:lnL>
+                      <a:noFill/>
+                    </a:lnL>
+                    <a:lnR>
+                      <a:noFill/>
+                    </a:lnR>
+                    <a:lnT>
+                      <a:noFill/>
+                    </a:lnT>
+                    <a:lnB>
+                      <a:noFill/>
+                    </a:lnB>
+                  </a:tcPr>
+                </a:tc>
+                <a:tc>
+                  <a:txBody>
+                    <a:bodyPr/>
+                    <a:lstStyle/>
+                    <a:p>
+                      <a:pPr algn="r" fontAlgn="ctr"/>
+                      <a:r>
                         <a:rPr lang="en-AU" sz="900" b="1">
                           <a:effectLst/>
                         </a:rPr>
-                      </a:br>
+                        <a:t>25%</a:t>
+                      </a:r>
+                    </a:p>
+                  </a:txBody>
+                  <a:tcPr marL="47297" marR="47297" marT="23649" marB="23649" anchor="ctr">
+                    <a:lnL>
+                      <a:noFill/>
+                    </a:lnL>
+                    <a:lnR>
+                      <a:noFill/>
+                    </a:lnR>
+                    <a:lnT>
+                      <a:noFill/>
+                    </a:lnT>
+                    <a:lnB>
+                      <a:noFill/>
+                    </a:lnB>
+                  </a:tcPr>
+                </a:tc>
+                <a:tc>
+                  <a:txBody>
+                    <a:bodyPr/>
+                    <a:lstStyle/>
+                    <a:p>
+                      <a:pPr algn="r" fontAlgn="ctr"/>
                       <a:r>
                         <a:rPr lang="en-AU" sz="900" b="1">
                           <a:effectLst/>
                         </a:rPr>
-                        <a:t>count</a:t>
+                        <a:t>50%</a:t>
                       </a:r>
                     </a:p>
                   </a:txBody>
@@ -5329,10 +4841,10 @@
                     <a:p>
                       <a:pPr algn="r" fontAlgn="ctr"/>
                       <a:r>
-                        <a:rPr lang="en-AU" sz="900" b="1">
-                          <a:effectLst/>
-                        </a:rPr>
-                        <a:t>mean</a:t>
+                        <a:rPr lang="en-AU" sz="900" b="1" dirty="0">
+                          <a:effectLst/>
+                        </a:rPr>
+                        <a:t>75%</a:t>
                       </a:r>
                     </a:p>
                   </a:txBody>
@@ -5358,182 +4870,14 @@
                     <a:p>
                       <a:pPr algn="r" fontAlgn="ctr"/>
                       <a:r>
-                        <a:rPr lang="en-AU" sz="900" b="1">
-                          <a:effectLst/>
-                        </a:rPr>
-                        <a:t>std</a:t>
+                        <a:rPr lang="en-AU" sz="900" b="1" dirty="0">
+                          <a:effectLst/>
+                        </a:rPr>
+                        <a:t>max</a:t>
                       </a:r>
                     </a:p>
                   </a:txBody>
                   <a:tcPr marL="47297" marR="47297" marT="23649" marB="23649" anchor="ctr">
-                    <a:lnL>
-                      <a:noFill/>
-                    </a:lnL>
-                    <a:lnR>
-                      <a:noFill/>
-                    </a:lnR>
-                    <a:lnT>
-                      <a:noFill/>
-                    </a:lnT>
-                    <a:lnB>
-                      <a:noFill/>
-                    </a:lnB>
-                  </a:tcPr>
-                </a:tc>
-                <a:tc>
-                  <a:txBody>
-                    <a:bodyPr/>
-                    <a:lstStyle/>
-                    <a:p>
-                      <a:pPr algn="r" fontAlgn="ctr"/>
-                      <a:r>
-                        <a:rPr lang="en-AU" sz="900" b="1">
-                          <a:effectLst/>
-                        </a:rPr>
-                        <a:t>min</a:t>
-                      </a:r>
-                    </a:p>
-                  </a:txBody>
-                  <a:tcPr marL="47297" marR="47297" marT="23649" marB="23649" anchor="ctr">
-                    <a:lnL>
-                      <a:noFill/>
-                    </a:lnL>
-                    <a:lnR>
-                      <a:noFill/>
-                    </a:lnR>
-                    <a:lnT>
-                      <a:noFill/>
-                    </a:lnT>
-                    <a:lnB>
-                      <a:noFill/>
-                    </a:lnB>
-                  </a:tcPr>
-                </a:tc>
-                <a:tc>
-                  <a:txBody>
-                    <a:bodyPr/>
-                    <a:lstStyle/>
-                    <a:p>
-                      <a:pPr algn="r" fontAlgn="ctr"/>
-                      <a:r>
-                        <a:rPr lang="en-AU" sz="900" b="1">
-                          <a:effectLst/>
-                        </a:rPr>
-                        <a:t>25%</a:t>
-                      </a:r>
-                    </a:p>
-                  </a:txBody>
-                  <a:tcPr marL="47297" marR="47297" marT="23649" marB="23649" anchor="ctr">
-                    <a:lnL>
-                      <a:noFill/>
-                    </a:lnL>
-                    <a:lnR>
-                      <a:noFill/>
-                    </a:lnR>
-                    <a:lnT>
-                      <a:noFill/>
-                    </a:lnT>
-                    <a:lnB>
-                      <a:noFill/>
-                    </a:lnB>
-                  </a:tcPr>
-                </a:tc>
-                <a:tc>
-                  <a:txBody>
-                    <a:bodyPr/>
-                    <a:lstStyle/>
-                    <a:p>
-                      <a:pPr algn="r" fontAlgn="ctr"/>
-                      <a:r>
-                        <a:rPr lang="en-AU" sz="900" b="1">
-                          <a:effectLst/>
-                        </a:rPr>
-                        <a:t>50%</a:t>
-                      </a:r>
-                    </a:p>
-                  </a:txBody>
-                  <a:tcPr marL="47297" marR="47297" marT="23649" marB="23649" anchor="ctr">
-                    <a:lnL>
-                      <a:noFill/>
-                    </a:lnL>
-                    <a:lnR>
-                      <a:noFill/>
-                    </a:lnR>
-                    <a:lnT>
-                      <a:noFill/>
-                    </a:lnT>
-                    <a:lnB>
-                      <a:noFill/>
-                    </a:lnB>
-                  </a:tcPr>
-                </a:tc>
-                <a:tc>
-                  <a:txBody>
-                    <a:bodyPr/>
-                    <a:lstStyle/>
-                    <a:p>
-                      <a:pPr algn="r" fontAlgn="ctr"/>
-                      <a:r>
-                        <a:rPr lang="en-AU" sz="900" b="1">
-                          <a:effectLst/>
-                        </a:rPr>
-                        <a:t>75%</a:t>
-                      </a:r>
-                    </a:p>
-                  </a:txBody>
-                  <a:tcPr marL="47297" marR="47297" marT="23649" marB="23649" anchor="ctr">
-                    <a:lnL>
-                      <a:noFill/>
-                    </a:lnL>
-                    <a:lnR>
-                      <a:noFill/>
-                    </a:lnR>
-                    <a:lnT>
-                      <a:noFill/>
-                    </a:lnT>
-                    <a:lnB>
-                      <a:noFill/>
-                    </a:lnB>
-                  </a:tcPr>
-                </a:tc>
-                <a:tc>
-                  <a:txBody>
-                    <a:bodyPr/>
-                    <a:lstStyle/>
-                    <a:p>
-                      <a:pPr algn="r" fontAlgn="ctr"/>
-                      <a:r>
-                        <a:rPr lang="en-AU" sz="900" b="1">
-                          <a:effectLst/>
-                        </a:rPr>
-                        <a:t>max</a:t>
-                      </a:r>
-                    </a:p>
-                  </a:txBody>
-                  <a:tcPr marL="47297" marR="47297" marT="23649" marB="23649" anchor="ctr">
-                    <a:lnL>
-                      <a:noFill/>
-                    </a:lnL>
-                    <a:lnR>
-                      <a:noFill/>
-                    </a:lnR>
-                    <a:lnT>
-                      <a:noFill/>
-                    </a:lnT>
-                    <a:lnB>
-                      <a:noFill/>
-                    </a:lnB>
-                  </a:tcPr>
-                </a:tc>
-                <a:tc>
-                  <a:txBody>
-                    <a:bodyPr/>
-                    <a:lstStyle/>
-                    <a:p>
-                      <a:endParaRPr lang="en-AU" sz="900"/>
-                    </a:p>
-                  </a:txBody>
-                  <a:tcPr marL="47297" marR="47297" marT="23649" marB="23649">
                     <a:lnL>
                       <a:noFill/>
                     </a:lnL>
@@ -5649,7 +4993,7 @@
                     <a:p>
                       <a:pPr algn="r" fontAlgn="ctr"/>
                       <a:r>
-                        <a:rPr lang="en-AU" sz="900">
+                        <a:rPr lang="en-AU" sz="900" dirty="0">
                           <a:effectLst/>
                         </a:rPr>
                         <a:t>26.878866</a:t>
@@ -5681,7 +5025,7 @@
                     <a:p>
                       <a:pPr algn="r" fontAlgn="ctr"/>
                       <a:r>
-                        <a:rPr lang="en-AU" sz="900">
+                        <a:rPr lang="en-AU" sz="900" dirty="0">
                           <a:effectLst/>
                         </a:rPr>
                         <a:t>3.9</a:t>
@@ -5713,7 +5057,7 @@
                     <a:p>
                       <a:pPr algn="r" fontAlgn="ctr"/>
                       <a:r>
-                        <a:rPr lang="en-AU" sz="900">
+                        <a:rPr lang="en-AU" sz="900" dirty="0">
                           <a:effectLst/>
                         </a:rPr>
                         <a:t>40.1</a:t>
@@ -5745,7 +5089,7 @@
                     <a:p>
                       <a:pPr algn="r" fontAlgn="ctr"/>
                       <a:r>
-                        <a:rPr lang="en-AU" sz="900">
+                        <a:rPr lang="en-AU" sz="900" dirty="0">
                           <a:effectLst/>
                         </a:rPr>
                         <a:t>64.6</a:t>
@@ -6971,11 +6315,14 @@
                     <a:p>
                       <a:pPr algn="r" fontAlgn="ctr"/>
                       <a:r>
-                        <a:rPr lang="en-AU" sz="900" b="1">
+                        <a:rPr lang="en-AU" sz="900" b="1" dirty="0" err="1">
                           <a:effectLst/>
                         </a:rPr>
                         <a:t>hallucinogen_use</a:t>
                       </a:r>
+                      <a:endParaRPr lang="en-AU" sz="900" b="1" dirty="0">
+                        <a:effectLst/>
+                      </a:endParaRPr>
                     </a:p>
                   </a:txBody>
                   <a:tcPr marL="47297" marR="47297" marT="23649" marB="23649" anchor="ctr">
@@ -9291,74 +8638,79 @@
           </p:cNvGraphicFramePr>
           <p:nvPr>
             <p:ph idx="1"/>
+            <p:extLst>
+              <p:ext uri="{D42A27DB-BD31-4B8C-83A1-F6EECF244321}">
+                <p14:modId xmlns:p14="http://schemas.microsoft.com/office/powerpoint/2010/main" val="2716897031"/>
+              </p:ext>
+            </p:extLst>
           </p:nvPr>
         </p:nvGraphicFramePr>
         <p:xfrm>
-          <a:off x="3939087" y="1825625"/>
-          <a:ext cx="4313826" cy="4351338"/>
+          <a:off x="1311964" y="1825625"/>
+          <a:ext cx="9048582" cy="4351338"/>
         </p:xfrm>
         <a:graphic>
           <a:graphicData uri="http://schemas.openxmlformats.org/drawingml/2006/table">
             <a:tbl>
               <a:tblPr/>
               <a:tblGrid>
-                <a:gridCol w="479314">
+                <a:gridCol w="1005398">
                   <a:extLst>
                     <a:ext uri="{9D8B030D-6E8A-4147-A177-3AD203B41FA5}">
                       <a16:colId xmlns:a16="http://schemas.microsoft.com/office/drawing/2014/main" val="922942322"/>
                     </a:ext>
                   </a:extLst>
                 </a:gridCol>
-                <a:gridCol w="479314">
+                <a:gridCol w="1005398">
                   <a:extLst>
                     <a:ext uri="{9D8B030D-6E8A-4147-A177-3AD203B41FA5}">
                       <a16:colId xmlns:a16="http://schemas.microsoft.com/office/drawing/2014/main" val="3173105165"/>
                     </a:ext>
                   </a:extLst>
                 </a:gridCol>
-                <a:gridCol w="479314">
+                <a:gridCol w="1005398">
                   <a:extLst>
                     <a:ext uri="{9D8B030D-6E8A-4147-A177-3AD203B41FA5}">
                       <a16:colId xmlns:a16="http://schemas.microsoft.com/office/drawing/2014/main" val="1223261084"/>
                     </a:ext>
                   </a:extLst>
                 </a:gridCol>
-                <a:gridCol w="479314">
+                <a:gridCol w="1005398">
                   <a:extLst>
                     <a:ext uri="{9D8B030D-6E8A-4147-A177-3AD203B41FA5}">
                       <a16:colId xmlns:a16="http://schemas.microsoft.com/office/drawing/2014/main" val="4108670839"/>
                     </a:ext>
                   </a:extLst>
                 </a:gridCol>
-                <a:gridCol w="479314">
+                <a:gridCol w="1005398">
                   <a:extLst>
                     <a:ext uri="{9D8B030D-6E8A-4147-A177-3AD203B41FA5}">
                       <a16:colId xmlns:a16="http://schemas.microsoft.com/office/drawing/2014/main" val="1172224464"/>
                     </a:ext>
                   </a:extLst>
                 </a:gridCol>
-                <a:gridCol w="479314">
+                <a:gridCol w="1005398">
                   <a:extLst>
                     <a:ext uri="{9D8B030D-6E8A-4147-A177-3AD203B41FA5}">
                       <a16:colId xmlns:a16="http://schemas.microsoft.com/office/drawing/2014/main" val="211121016"/>
                     </a:ext>
                   </a:extLst>
                 </a:gridCol>
-                <a:gridCol w="479314">
+                <a:gridCol w="1005398">
                   <a:extLst>
                     <a:ext uri="{9D8B030D-6E8A-4147-A177-3AD203B41FA5}">
                       <a16:colId xmlns:a16="http://schemas.microsoft.com/office/drawing/2014/main" val="4292191641"/>
                     </a:ext>
                   </a:extLst>
                 </a:gridCol>
-                <a:gridCol w="479314">
+                <a:gridCol w="1005398">
                   <a:extLst>
                     <a:ext uri="{9D8B030D-6E8A-4147-A177-3AD203B41FA5}">
                       <a16:colId xmlns:a16="http://schemas.microsoft.com/office/drawing/2014/main" val="3158537522"/>
                     </a:ext>
                   </a:extLst>
                 </a:gridCol>
-                <a:gridCol w="479314">
+                <a:gridCol w="1005398">
                   <a:extLst>
                     <a:ext uri="{9D8B030D-6E8A-4147-A177-3AD203B41FA5}">
                       <a16:colId xmlns:a16="http://schemas.microsoft.com/office/drawing/2014/main" val="912006286"/>
@@ -9373,13 +8725,39 @@
                     <a:lstStyle/>
                     <a:p>
                       <a:pPr algn="r" fontAlgn="ctr"/>
+                      <a:endParaRPr lang="en-AU" sz="700" b="1" dirty="0">
+                        <a:effectLst/>
+                      </a:endParaRPr>
+                    </a:p>
+                  </a:txBody>
+                  <a:tcPr marL="37512" marR="37512" marT="18756" marB="18756" anchor="ctr">
+                    <a:lnL>
+                      <a:noFill/>
+                    </a:lnL>
+                    <a:lnR>
+                      <a:noFill/>
+                    </a:lnR>
+                    <a:lnT>
+                      <a:noFill/>
+                    </a:lnT>
+                    <a:lnB>
+                      <a:noFill/>
+                    </a:lnB>
+                  </a:tcPr>
+                </a:tc>
+                <a:tc>
+                  <a:txBody>
+                    <a:bodyPr/>
+                    <a:lstStyle/>
+                    <a:p>
+                      <a:pPr algn="r" fontAlgn="ctr"/>
                       <a:br>
-                        <a:rPr lang="en-AU" sz="700" b="1">
+                        <a:rPr lang="en-AU" sz="700" b="1" dirty="0">
                           <a:effectLst/>
                         </a:rPr>
                       </a:br>
                       <a:r>
-                        <a:rPr lang="en-AU" sz="700" b="1">
+                        <a:rPr lang="en-AU" sz="700" b="1" dirty="0">
                           <a:effectLst/>
                         </a:rPr>
                         <a:t>count</a:t>
@@ -9408,7 +8786,7 @@
                     <a:p>
                       <a:pPr algn="r" fontAlgn="ctr"/>
                       <a:r>
-                        <a:rPr lang="en-AU" sz="700" b="1">
+                        <a:rPr lang="en-AU" sz="700" b="1" dirty="0">
                           <a:effectLst/>
                         </a:rPr>
                         <a:t>mean</a:t>
@@ -9437,7 +8815,7 @@
                     <a:p>
                       <a:pPr algn="r" fontAlgn="ctr"/>
                       <a:r>
-                        <a:rPr lang="en-AU" sz="700" b="1">
+                        <a:rPr lang="en-AU" sz="700" b="1" dirty="0">
                           <a:effectLst/>
                         </a:rPr>
                         <a:t>std</a:t>
@@ -9466,7 +8844,7 @@
                     <a:p>
                       <a:pPr algn="r" fontAlgn="ctr"/>
                       <a:r>
-                        <a:rPr lang="en-AU" sz="700" b="1">
+                        <a:rPr lang="en-AU" sz="700" b="1" dirty="0">
                           <a:effectLst/>
                         </a:rPr>
                         <a:t>min</a:t>
@@ -9495,7 +8873,7 @@
                     <a:p>
                       <a:pPr algn="r" fontAlgn="ctr"/>
                       <a:r>
-                        <a:rPr lang="en-AU" sz="700" b="1">
+                        <a:rPr lang="en-AU" sz="700" b="1" dirty="0">
                           <a:effectLst/>
                         </a:rPr>
                         <a:t>25%</a:t>
@@ -9524,7 +8902,7 @@
                     <a:p>
                       <a:pPr algn="r" fontAlgn="ctr"/>
                       <a:r>
-                        <a:rPr lang="en-AU" sz="700" b="1">
+                        <a:rPr lang="en-AU" sz="700" b="1" dirty="0">
                           <a:effectLst/>
                         </a:rPr>
                         <a:t>50%</a:t>
@@ -9553,7 +8931,7 @@
                     <a:p>
                       <a:pPr algn="r" fontAlgn="ctr"/>
                       <a:r>
-                        <a:rPr lang="en-AU" sz="700" b="1">
+                        <a:rPr lang="en-AU" sz="700" b="1" dirty="0">
                           <a:effectLst/>
                         </a:rPr>
                         <a:t>75%</a:t>
@@ -9582,7 +8960,7 @@
                     <a:p>
                       <a:pPr algn="r" fontAlgn="ctr"/>
                       <a:r>
-                        <a:rPr lang="en-AU" sz="700" b="1">
+                        <a:rPr lang="en-AU" sz="700" b="1" dirty="0">
                           <a:effectLst/>
                         </a:rPr>
                         <a:t>max</a:t>
@@ -9590,29 +8968,6 @@
                     </a:p>
                   </a:txBody>
                   <a:tcPr marL="37512" marR="37512" marT="18756" marB="18756" anchor="ctr">
-                    <a:lnL>
-                      <a:noFill/>
-                    </a:lnL>
-                    <a:lnR>
-                      <a:noFill/>
-                    </a:lnR>
-                    <a:lnT>
-                      <a:noFill/>
-                    </a:lnT>
-                    <a:lnB>
-                      <a:noFill/>
-                    </a:lnB>
-                  </a:tcPr>
-                </a:tc>
-                <a:tc>
-                  <a:txBody>
-                    <a:bodyPr/>
-                    <a:lstStyle/>
-                    <a:p>
-                      <a:endParaRPr lang="en-AU" sz="700"/>
-                    </a:p>
-                  </a:txBody>
-                  <a:tcPr marL="37512" marR="37512" marT="18756" marB="18756">
                     <a:lnL>
                       <a:noFill/>
                     </a:lnL>
@@ -9924,11 +9279,14 @@
                     <a:p>
                       <a:pPr algn="r" fontAlgn="ctr"/>
                       <a:r>
-                        <a:rPr lang="en-AU" sz="700" b="1">
+                        <a:rPr lang="en-AU" sz="700" b="1" dirty="0" err="1">
                           <a:effectLst/>
                         </a:rPr>
                         <a:t>marijuana_frequency</a:t>
                       </a:r>
+                      <a:endParaRPr lang="en-AU" sz="700" b="1" dirty="0">
+                        <a:effectLst/>
+                      </a:endParaRPr>
                     </a:p>
                   </a:txBody>
                   <a:tcPr marL="37512" marR="37512" marT="18756" marB="18756" anchor="ctr">
@@ -13438,10 +12796,10 @@
       </p:sp>
       <p:pic>
         <p:nvPicPr>
-          <p:cNvPr id="4098" name="Picture 2">
+          <p:cNvPr id="1026" name="Picture 2">
             <a:extLst>
               <a:ext uri="{FF2B5EF4-FFF2-40B4-BE49-F238E27FC236}">
-                <a16:creationId xmlns:a16="http://schemas.microsoft.com/office/drawing/2014/main" id="{B61D869F-E989-4520-86C0-4ECB78834177}"/>
+                <a16:creationId xmlns:a16="http://schemas.microsoft.com/office/drawing/2014/main" id="{344D6F22-8E04-4B47-9D1D-5518BC1529AB}"/>
               </a:ext>
             </a:extLst>
           </p:cNvPr>
@@ -13467,8 +12825,8 @@
         </p:blipFill>
         <p:spPr bwMode="auto">
           <a:xfrm>
-            <a:off x="3152623" y="1927912"/>
-            <a:ext cx="5886753" cy="4146763"/>
+            <a:off x="3090061" y="1825625"/>
+            <a:ext cx="6011877" cy="4351338"/>
           </a:xfrm>
           <a:prstGeom prst="rect">
             <a:avLst/>
@@ -15687,6 +15045,1272 @@
           <p:cNvPr id="2" name="Title 1">
             <a:extLst>
               <a:ext uri="{FF2B5EF4-FFF2-40B4-BE49-F238E27FC236}">
+                <a16:creationId xmlns:a16="http://schemas.microsoft.com/office/drawing/2014/main" id="{17385F03-A343-4E53-B277-40DD2A7DDA9F}"/>
+              </a:ext>
+            </a:extLst>
+          </p:cNvPr>
+          <p:cNvSpPr>
+            <a:spLocks noGrp="1"/>
+          </p:cNvSpPr>
+          <p:nvPr>
+            <p:ph type="title"/>
+          </p:nvPr>
+        </p:nvSpPr>
+        <p:spPr/>
+        <p:txBody>
+          <a:bodyPr/>
+          <a:lstStyle/>
+          <a:p>
+            <a:r>
+              <a:rPr lang="en-AU" dirty="0"/>
+              <a:t>Summary Table</a:t>
+            </a:r>
+          </a:p>
+        </p:txBody>
+      </p:sp>
+      <p:graphicFrame>
+        <p:nvGraphicFramePr>
+          <p:cNvPr id="4" name="Content Placeholder 3">
+            <a:extLst>
+              <a:ext uri="{FF2B5EF4-FFF2-40B4-BE49-F238E27FC236}">
+                <a16:creationId xmlns:a16="http://schemas.microsoft.com/office/drawing/2014/main" id="{51E0D29A-6EC4-4A43-8814-4ED6FBBE266D}"/>
+              </a:ext>
+            </a:extLst>
+          </p:cNvPr>
+          <p:cNvGraphicFramePr>
+            <a:graphicFrameLocks noGrp="1"/>
+          </p:cNvGraphicFramePr>
+          <p:nvPr>
+            <p:ph idx="1"/>
+            <p:extLst>
+              <p:ext uri="{D42A27DB-BD31-4B8C-83A1-F6EECF244321}">
+                <p14:modId xmlns:p14="http://schemas.microsoft.com/office/powerpoint/2010/main" val="3580351366"/>
+              </p:ext>
+            </p:extLst>
+          </p:nvPr>
+        </p:nvGraphicFramePr>
+        <p:xfrm>
+          <a:off x="838200" y="2218214"/>
+          <a:ext cx="10515600" cy="3566160"/>
+        </p:xfrm>
+        <a:graphic>
+          <a:graphicData uri="http://schemas.openxmlformats.org/drawingml/2006/table">
+            <a:tbl>
+              <a:tblPr/>
+              <a:tblGrid>
+                <a:gridCol w="2628900">
+                  <a:extLst>
+                    <a:ext uri="{9D8B030D-6E8A-4147-A177-3AD203B41FA5}">
+                      <a16:colId xmlns:a16="http://schemas.microsoft.com/office/drawing/2014/main" val="3808330534"/>
+                    </a:ext>
+                  </a:extLst>
+                </a:gridCol>
+                <a:gridCol w="2628900">
+                  <a:extLst>
+                    <a:ext uri="{9D8B030D-6E8A-4147-A177-3AD203B41FA5}">
+                      <a16:colId xmlns:a16="http://schemas.microsoft.com/office/drawing/2014/main" val="131065494"/>
+                    </a:ext>
+                  </a:extLst>
+                </a:gridCol>
+                <a:gridCol w="2628900">
+                  <a:extLst>
+                    <a:ext uri="{9D8B030D-6E8A-4147-A177-3AD203B41FA5}">
+                      <a16:colId xmlns:a16="http://schemas.microsoft.com/office/drawing/2014/main" val="1049744968"/>
+                    </a:ext>
+                  </a:extLst>
+                </a:gridCol>
+                <a:gridCol w="2628900">
+                  <a:extLst>
+                    <a:ext uri="{9D8B030D-6E8A-4147-A177-3AD203B41FA5}">
+                      <a16:colId xmlns:a16="http://schemas.microsoft.com/office/drawing/2014/main" val="1650457840"/>
+                    </a:ext>
+                  </a:extLst>
+                </a:gridCol>
+              </a:tblGrid>
+              <a:tr h="0">
+                <a:tc>
+                  <a:txBody>
+                    <a:bodyPr/>
+                    <a:lstStyle/>
+                    <a:p>
+                      <a:pPr algn="r" fontAlgn="ctr"/>
+                      <a:endParaRPr lang="en-AU" b="1" dirty="0">
+                        <a:effectLst/>
+                      </a:endParaRPr>
+                    </a:p>
+                  </a:txBody>
+                  <a:tcPr anchor="ctr">
+                    <a:lnL>
+                      <a:noFill/>
+                    </a:lnL>
+                    <a:lnR>
+                      <a:noFill/>
+                    </a:lnR>
+                    <a:lnT>
+                      <a:noFill/>
+                    </a:lnT>
+                    <a:lnB>
+                      <a:noFill/>
+                    </a:lnB>
+                  </a:tcPr>
+                </a:tc>
+                <a:tc>
+                  <a:txBody>
+                    <a:bodyPr/>
+                    <a:lstStyle/>
+                    <a:p>
+                      <a:pPr algn="r" fontAlgn="ctr"/>
+                      <a:br>
+                        <a:rPr lang="en-AU" b="1" dirty="0">
+                          <a:effectLst/>
+                        </a:rPr>
+                      </a:br>
+                      <a:r>
+                        <a:rPr lang="en-AU" b="1" dirty="0">
+                          <a:effectLst/>
+                        </a:rPr>
+                        <a:t>Rate</a:t>
+                      </a:r>
+                    </a:p>
+                  </a:txBody>
+                  <a:tcPr anchor="ctr">
+                    <a:lnL>
+                      <a:noFill/>
+                    </a:lnL>
+                    <a:lnR>
+                      <a:noFill/>
+                    </a:lnR>
+                    <a:lnT>
+                      <a:noFill/>
+                    </a:lnT>
+                    <a:lnB>
+                      <a:noFill/>
+                    </a:lnB>
+                  </a:tcPr>
+                </a:tc>
+                <a:tc>
+                  <a:txBody>
+                    <a:bodyPr/>
+                    <a:lstStyle/>
+                    <a:p>
+                      <a:pPr algn="r" fontAlgn="ctr"/>
+                      <a:r>
+                        <a:rPr lang="en-AU" b="1" dirty="0">
+                          <a:effectLst/>
+                        </a:rPr>
+                        <a:t>Verbal</a:t>
+                      </a:r>
+                    </a:p>
+                  </a:txBody>
+                  <a:tcPr anchor="ctr">
+                    <a:lnL>
+                      <a:noFill/>
+                    </a:lnL>
+                    <a:lnR>
+                      <a:noFill/>
+                    </a:lnR>
+                    <a:lnT>
+                      <a:noFill/>
+                    </a:lnT>
+                    <a:lnB>
+                      <a:noFill/>
+                    </a:lnB>
+                  </a:tcPr>
+                </a:tc>
+                <a:tc>
+                  <a:txBody>
+                    <a:bodyPr/>
+                    <a:lstStyle/>
+                    <a:p>
+                      <a:pPr algn="r" fontAlgn="ctr"/>
+                      <a:r>
+                        <a:rPr lang="en-AU" b="1" dirty="0">
+                          <a:effectLst/>
+                        </a:rPr>
+                        <a:t>Math</a:t>
+                      </a:r>
+                    </a:p>
+                  </a:txBody>
+                  <a:tcPr anchor="ctr">
+                    <a:lnL>
+                      <a:noFill/>
+                    </a:lnL>
+                  </a:tcPr>
+                </a:tc>
+                <a:extLst>
+                  <a:ext uri="{0D108BD9-81ED-4DB2-BD59-A6C34878D82A}">
+                    <a16:rowId xmlns:a16="http://schemas.microsoft.com/office/drawing/2014/main" val="1477747449"/>
+                  </a:ext>
+                </a:extLst>
+              </a:tr>
+              <a:tr h="0">
+                <a:tc>
+                  <a:txBody>
+                    <a:bodyPr/>
+                    <a:lstStyle/>
+                    <a:p>
+                      <a:pPr algn="r" fontAlgn="ctr"/>
+                      <a:r>
+                        <a:rPr lang="en-AU" b="1">
+                          <a:effectLst/>
+                        </a:rPr>
+                        <a:t>count</a:t>
+                      </a:r>
+                    </a:p>
+                  </a:txBody>
+                  <a:tcPr anchor="ctr">
+                    <a:lnL>
+                      <a:noFill/>
+                    </a:lnL>
+                    <a:lnR>
+                      <a:noFill/>
+                    </a:lnR>
+                    <a:lnT>
+                      <a:noFill/>
+                    </a:lnT>
+                    <a:lnB>
+                      <a:noFill/>
+                    </a:lnB>
+                    <a:solidFill>
+                      <a:srgbClr val="F5F5F5"/>
+                    </a:solidFill>
+                  </a:tcPr>
+                </a:tc>
+                <a:tc>
+                  <a:txBody>
+                    <a:bodyPr/>
+                    <a:lstStyle/>
+                    <a:p>
+                      <a:pPr algn="r" fontAlgn="ctr"/>
+                      <a:r>
+                        <a:rPr lang="en-AU">
+                          <a:effectLst/>
+                        </a:rPr>
+                        <a:t>51.000000</a:t>
+                      </a:r>
+                    </a:p>
+                  </a:txBody>
+                  <a:tcPr anchor="ctr">
+                    <a:lnL>
+                      <a:noFill/>
+                    </a:lnL>
+                    <a:lnR>
+                      <a:noFill/>
+                    </a:lnR>
+                    <a:lnT>
+                      <a:noFill/>
+                    </a:lnT>
+                    <a:lnB>
+                      <a:noFill/>
+                    </a:lnB>
+                    <a:solidFill>
+                      <a:srgbClr val="F5F5F5"/>
+                    </a:solidFill>
+                  </a:tcPr>
+                </a:tc>
+                <a:tc>
+                  <a:txBody>
+                    <a:bodyPr/>
+                    <a:lstStyle/>
+                    <a:p>
+                      <a:pPr algn="r" fontAlgn="ctr"/>
+                      <a:r>
+                        <a:rPr lang="en-AU">
+                          <a:effectLst/>
+                        </a:rPr>
+                        <a:t>51.000000</a:t>
+                      </a:r>
+                    </a:p>
+                  </a:txBody>
+                  <a:tcPr anchor="ctr">
+                    <a:lnL>
+                      <a:noFill/>
+                    </a:lnL>
+                    <a:lnR>
+                      <a:noFill/>
+                    </a:lnR>
+                    <a:lnT>
+                      <a:noFill/>
+                    </a:lnT>
+                    <a:lnB>
+                      <a:noFill/>
+                    </a:lnB>
+                    <a:solidFill>
+                      <a:srgbClr val="F5F5F5"/>
+                    </a:solidFill>
+                  </a:tcPr>
+                </a:tc>
+                <a:tc>
+                  <a:txBody>
+                    <a:bodyPr/>
+                    <a:lstStyle/>
+                    <a:p>
+                      <a:pPr algn="r" fontAlgn="ctr"/>
+                      <a:r>
+                        <a:rPr lang="en-AU">
+                          <a:effectLst/>
+                        </a:rPr>
+                        <a:t>51.000000</a:t>
+                      </a:r>
+                    </a:p>
+                  </a:txBody>
+                  <a:tcPr anchor="ctr">
+                    <a:lnL>
+                      <a:noFill/>
+                    </a:lnL>
+                    <a:lnR>
+                      <a:noFill/>
+                    </a:lnR>
+                    <a:lnB>
+                      <a:noFill/>
+                    </a:lnB>
+                    <a:solidFill>
+                      <a:srgbClr val="F5F5F5"/>
+                    </a:solidFill>
+                  </a:tcPr>
+                </a:tc>
+                <a:extLst>
+                  <a:ext uri="{0D108BD9-81ED-4DB2-BD59-A6C34878D82A}">
+                    <a16:rowId xmlns:a16="http://schemas.microsoft.com/office/drawing/2014/main" val="690539546"/>
+                  </a:ext>
+                </a:extLst>
+              </a:tr>
+              <a:tr h="0">
+                <a:tc>
+                  <a:txBody>
+                    <a:bodyPr/>
+                    <a:lstStyle/>
+                    <a:p>
+                      <a:pPr algn="r" fontAlgn="ctr"/>
+                      <a:r>
+                        <a:rPr lang="en-AU" b="1">
+                          <a:effectLst/>
+                        </a:rPr>
+                        <a:t>mean</a:t>
+                      </a:r>
+                    </a:p>
+                  </a:txBody>
+                  <a:tcPr anchor="ctr">
+                    <a:lnL>
+                      <a:noFill/>
+                    </a:lnL>
+                    <a:lnR>
+                      <a:noFill/>
+                    </a:lnR>
+                    <a:lnT>
+                      <a:noFill/>
+                    </a:lnT>
+                    <a:lnB>
+                      <a:noFill/>
+                    </a:lnB>
+                  </a:tcPr>
+                </a:tc>
+                <a:tc>
+                  <a:txBody>
+                    <a:bodyPr/>
+                    <a:lstStyle/>
+                    <a:p>
+                      <a:pPr algn="r" fontAlgn="ctr"/>
+                      <a:r>
+                        <a:rPr lang="en-AU">
+                          <a:effectLst/>
+                        </a:rPr>
+                        <a:t>37.000000</a:t>
+                      </a:r>
+                    </a:p>
+                  </a:txBody>
+                  <a:tcPr anchor="ctr">
+                    <a:lnL>
+                      <a:noFill/>
+                    </a:lnL>
+                    <a:lnR>
+                      <a:noFill/>
+                    </a:lnR>
+                    <a:lnT>
+                      <a:noFill/>
+                    </a:lnT>
+                    <a:lnB>
+                      <a:noFill/>
+                    </a:lnB>
+                  </a:tcPr>
+                </a:tc>
+                <a:tc>
+                  <a:txBody>
+                    <a:bodyPr/>
+                    <a:lstStyle/>
+                    <a:p>
+                      <a:pPr algn="r" fontAlgn="ctr"/>
+                      <a:r>
+                        <a:rPr lang="en-AU">
+                          <a:effectLst/>
+                        </a:rPr>
+                        <a:t>532.529412</a:t>
+                      </a:r>
+                    </a:p>
+                  </a:txBody>
+                  <a:tcPr anchor="ctr">
+                    <a:lnL>
+                      <a:noFill/>
+                    </a:lnL>
+                    <a:lnR>
+                      <a:noFill/>
+                    </a:lnR>
+                    <a:lnT>
+                      <a:noFill/>
+                    </a:lnT>
+                    <a:lnB>
+                      <a:noFill/>
+                    </a:lnB>
+                  </a:tcPr>
+                </a:tc>
+                <a:tc>
+                  <a:txBody>
+                    <a:bodyPr/>
+                    <a:lstStyle/>
+                    <a:p>
+                      <a:pPr algn="r" fontAlgn="ctr"/>
+                      <a:r>
+                        <a:rPr lang="en-AU">
+                          <a:effectLst/>
+                        </a:rPr>
+                        <a:t>531.843137</a:t>
+                      </a:r>
+                    </a:p>
+                  </a:txBody>
+                  <a:tcPr anchor="ctr">
+                    <a:lnL>
+                      <a:noFill/>
+                    </a:lnL>
+                    <a:lnR>
+                      <a:noFill/>
+                    </a:lnR>
+                    <a:lnT>
+                      <a:noFill/>
+                    </a:lnT>
+                    <a:lnB>
+                      <a:noFill/>
+                    </a:lnB>
+                  </a:tcPr>
+                </a:tc>
+                <a:extLst>
+                  <a:ext uri="{0D108BD9-81ED-4DB2-BD59-A6C34878D82A}">
+                    <a16:rowId xmlns:a16="http://schemas.microsoft.com/office/drawing/2014/main" val="676588925"/>
+                  </a:ext>
+                </a:extLst>
+              </a:tr>
+              <a:tr h="0">
+                <a:tc>
+                  <a:txBody>
+                    <a:bodyPr/>
+                    <a:lstStyle/>
+                    <a:p>
+                      <a:pPr algn="r" fontAlgn="ctr"/>
+                      <a:r>
+                        <a:rPr lang="en-AU" b="1">
+                          <a:effectLst/>
+                        </a:rPr>
+                        <a:t>std</a:t>
+                      </a:r>
+                    </a:p>
+                  </a:txBody>
+                  <a:tcPr anchor="ctr">
+                    <a:lnL>
+                      <a:noFill/>
+                    </a:lnL>
+                    <a:lnR>
+                      <a:noFill/>
+                    </a:lnR>
+                    <a:lnT>
+                      <a:noFill/>
+                    </a:lnT>
+                    <a:lnB>
+                      <a:noFill/>
+                    </a:lnB>
+                    <a:solidFill>
+                      <a:srgbClr val="F5F5F5"/>
+                    </a:solidFill>
+                  </a:tcPr>
+                </a:tc>
+                <a:tc>
+                  <a:txBody>
+                    <a:bodyPr/>
+                    <a:lstStyle/>
+                    <a:p>
+                      <a:pPr algn="r" fontAlgn="ctr"/>
+                      <a:r>
+                        <a:rPr lang="en-AU">
+                          <a:effectLst/>
+                        </a:rPr>
+                        <a:t>27.550681</a:t>
+                      </a:r>
+                    </a:p>
+                  </a:txBody>
+                  <a:tcPr anchor="ctr">
+                    <a:lnL>
+                      <a:noFill/>
+                    </a:lnL>
+                    <a:lnR>
+                      <a:noFill/>
+                    </a:lnR>
+                    <a:lnT>
+                      <a:noFill/>
+                    </a:lnT>
+                    <a:lnB>
+                      <a:noFill/>
+                    </a:lnB>
+                    <a:solidFill>
+                      <a:srgbClr val="F5F5F5"/>
+                    </a:solidFill>
+                  </a:tcPr>
+                </a:tc>
+                <a:tc>
+                  <a:txBody>
+                    <a:bodyPr/>
+                    <a:lstStyle/>
+                    <a:p>
+                      <a:pPr algn="r" fontAlgn="ctr"/>
+                      <a:r>
+                        <a:rPr lang="en-AU">
+                          <a:effectLst/>
+                        </a:rPr>
+                        <a:t>33.360667</a:t>
+                      </a:r>
+                    </a:p>
+                  </a:txBody>
+                  <a:tcPr anchor="ctr">
+                    <a:lnL>
+                      <a:noFill/>
+                    </a:lnL>
+                    <a:lnR>
+                      <a:noFill/>
+                    </a:lnR>
+                    <a:lnT>
+                      <a:noFill/>
+                    </a:lnT>
+                    <a:lnB>
+                      <a:noFill/>
+                    </a:lnB>
+                    <a:solidFill>
+                      <a:srgbClr val="F5F5F5"/>
+                    </a:solidFill>
+                  </a:tcPr>
+                </a:tc>
+                <a:tc>
+                  <a:txBody>
+                    <a:bodyPr/>
+                    <a:lstStyle/>
+                    <a:p>
+                      <a:pPr algn="r" fontAlgn="ctr"/>
+                      <a:r>
+                        <a:rPr lang="en-AU">
+                          <a:effectLst/>
+                        </a:rPr>
+                        <a:t>36.287393</a:t>
+                      </a:r>
+                    </a:p>
+                  </a:txBody>
+                  <a:tcPr anchor="ctr">
+                    <a:lnL>
+                      <a:noFill/>
+                    </a:lnL>
+                    <a:lnR>
+                      <a:noFill/>
+                    </a:lnR>
+                    <a:lnT>
+                      <a:noFill/>
+                    </a:lnT>
+                    <a:lnB>
+                      <a:noFill/>
+                    </a:lnB>
+                    <a:solidFill>
+                      <a:srgbClr val="F5F5F5"/>
+                    </a:solidFill>
+                  </a:tcPr>
+                </a:tc>
+                <a:extLst>
+                  <a:ext uri="{0D108BD9-81ED-4DB2-BD59-A6C34878D82A}">
+                    <a16:rowId xmlns:a16="http://schemas.microsoft.com/office/drawing/2014/main" val="4225027025"/>
+                  </a:ext>
+                </a:extLst>
+              </a:tr>
+              <a:tr h="0">
+                <a:tc>
+                  <a:txBody>
+                    <a:bodyPr/>
+                    <a:lstStyle/>
+                    <a:p>
+                      <a:pPr algn="r" fontAlgn="ctr"/>
+                      <a:r>
+                        <a:rPr lang="en-AU" b="1">
+                          <a:effectLst/>
+                        </a:rPr>
+                        <a:t>min</a:t>
+                      </a:r>
+                    </a:p>
+                  </a:txBody>
+                  <a:tcPr anchor="ctr">
+                    <a:lnL>
+                      <a:noFill/>
+                    </a:lnL>
+                    <a:lnR>
+                      <a:noFill/>
+                    </a:lnR>
+                    <a:lnT>
+                      <a:noFill/>
+                    </a:lnT>
+                    <a:lnB>
+                      <a:noFill/>
+                    </a:lnB>
+                  </a:tcPr>
+                </a:tc>
+                <a:tc>
+                  <a:txBody>
+                    <a:bodyPr/>
+                    <a:lstStyle/>
+                    <a:p>
+                      <a:pPr algn="r" fontAlgn="ctr"/>
+                      <a:r>
+                        <a:rPr lang="en-AU">
+                          <a:effectLst/>
+                        </a:rPr>
+                        <a:t>4.000000</a:t>
+                      </a:r>
+                    </a:p>
+                  </a:txBody>
+                  <a:tcPr anchor="ctr">
+                    <a:lnL>
+                      <a:noFill/>
+                    </a:lnL>
+                    <a:lnR>
+                      <a:noFill/>
+                    </a:lnR>
+                    <a:lnT>
+                      <a:noFill/>
+                    </a:lnT>
+                    <a:lnB>
+                      <a:noFill/>
+                    </a:lnB>
+                  </a:tcPr>
+                </a:tc>
+                <a:tc>
+                  <a:txBody>
+                    <a:bodyPr/>
+                    <a:lstStyle/>
+                    <a:p>
+                      <a:pPr algn="r" fontAlgn="ctr"/>
+                      <a:r>
+                        <a:rPr lang="en-AU">
+                          <a:effectLst/>
+                        </a:rPr>
+                        <a:t>482.000000</a:t>
+                      </a:r>
+                    </a:p>
+                  </a:txBody>
+                  <a:tcPr anchor="ctr">
+                    <a:lnL>
+                      <a:noFill/>
+                    </a:lnL>
+                    <a:lnR>
+                      <a:noFill/>
+                    </a:lnR>
+                    <a:lnT>
+                      <a:noFill/>
+                    </a:lnT>
+                    <a:lnB>
+                      <a:noFill/>
+                    </a:lnB>
+                  </a:tcPr>
+                </a:tc>
+                <a:tc>
+                  <a:txBody>
+                    <a:bodyPr/>
+                    <a:lstStyle/>
+                    <a:p>
+                      <a:pPr algn="r" fontAlgn="ctr"/>
+                      <a:r>
+                        <a:rPr lang="en-AU">
+                          <a:effectLst/>
+                        </a:rPr>
+                        <a:t>439.000000</a:t>
+                      </a:r>
+                    </a:p>
+                  </a:txBody>
+                  <a:tcPr anchor="ctr">
+                    <a:lnL>
+                      <a:noFill/>
+                    </a:lnL>
+                    <a:lnR>
+                      <a:noFill/>
+                    </a:lnR>
+                    <a:lnT>
+                      <a:noFill/>
+                    </a:lnT>
+                    <a:lnB>
+                      <a:noFill/>
+                    </a:lnB>
+                  </a:tcPr>
+                </a:tc>
+                <a:extLst>
+                  <a:ext uri="{0D108BD9-81ED-4DB2-BD59-A6C34878D82A}">
+                    <a16:rowId xmlns:a16="http://schemas.microsoft.com/office/drawing/2014/main" val="3363850163"/>
+                  </a:ext>
+                </a:extLst>
+              </a:tr>
+              <a:tr h="0">
+                <a:tc>
+                  <a:txBody>
+                    <a:bodyPr/>
+                    <a:lstStyle/>
+                    <a:p>
+                      <a:pPr algn="r" fontAlgn="ctr"/>
+                      <a:r>
+                        <a:rPr lang="en-AU" b="1">
+                          <a:effectLst/>
+                        </a:rPr>
+                        <a:t>25%</a:t>
+                      </a:r>
+                    </a:p>
+                  </a:txBody>
+                  <a:tcPr anchor="ctr">
+                    <a:lnL>
+                      <a:noFill/>
+                    </a:lnL>
+                    <a:lnR>
+                      <a:noFill/>
+                    </a:lnR>
+                    <a:lnT>
+                      <a:noFill/>
+                    </a:lnT>
+                    <a:lnB>
+                      <a:noFill/>
+                    </a:lnB>
+                    <a:solidFill>
+                      <a:srgbClr val="F5F5F5"/>
+                    </a:solidFill>
+                  </a:tcPr>
+                </a:tc>
+                <a:tc>
+                  <a:txBody>
+                    <a:bodyPr/>
+                    <a:lstStyle/>
+                    <a:p>
+                      <a:pPr algn="r" fontAlgn="ctr"/>
+                      <a:r>
+                        <a:rPr lang="en-AU">
+                          <a:effectLst/>
+                        </a:rPr>
+                        <a:t>9.000000</a:t>
+                      </a:r>
+                    </a:p>
+                  </a:txBody>
+                  <a:tcPr anchor="ctr">
+                    <a:lnL>
+                      <a:noFill/>
+                    </a:lnL>
+                    <a:lnR>
+                      <a:noFill/>
+                    </a:lnR>
+                    <a:lnT>
+                      <a:noFill/>
+                    </a:lnT>
+                    <a:lnB>
+                      <a:noFill/>
+                    </a:lnB>
+                    <a:solidFill>
+                      <a:srgbClr val="F5F5F5"/>
+                    </a:solidFill>
+                  </a:tcPr>
+                </a:tc>
+                <a:tc>
+                  <a:txBody>
+                    <a:bodyPr/>
+                    <a:lstStyle/>
+                    <a:p>
+                      <a:pPr algn="r" fontAlgn="ctr"/>
+                      <a:r>
+                        <a:rPr lang="en-AU">
+                          <a:effectLst/>
+                        </a:rPr>
+                        <a:t>501.000000</a:t>
+                      </a:r>
+                    </a:p>
+                  </a:txBody>
+                  <a:tcPr anchor="ctr">
+                    <a:lnL>
+                      <a:noFill/>
+                    </a:lnL>
+                    <a:lnR>
+                      <a:noFill/>
+                    </a:lnR>
+                    <a:lnT>
+                      <a:noFill/>
+                    </a:lnT>
+                    <a:lnB>
+                      <a:noFill/>
+                    </a:lnB>
+                    <a:solidFill>
+                      <a:srgbClr val="F5F5F5"/>
+                    </a:solidFill>
+                  </a:tcPr>
+                </a:tc>
+                <a:tc>
+                  <a:txBody>
+                    <a:bodyPr/>
+                    <a:lstStyle/>
+                    <a:p>
+                      <a:pPr algn="r" fontAlgn="ctr"/>
+                      <a:r>
+                        <a:rPr lang="en-AU">
+                          <a:effectLst/>
+                        </a:rPr>
+                        <a:t>503.000000</a:t>
+                      </a:r>
+                    </a:p>
+                  </a:txBody>
+                  <a:tcPr anchor="ctr">
+                    <a:lnL>
+                      <a:noFill/>
+                    </a:lnL>
+                    <a:lnR>
+                      <a:noFill/>
+                    </a:lnR>
+                    <a:lnT>
+                      <a:noFill/>
+                    </a:lnT>
+                    <a:lnB>
+                      <a:noFill/>
+                    </a:lnB>
+                    <a:solidFill>
+                      <a:srgbClr val="F5F5F5"/>
+                    </a:solidFill>
+                  </a:tcPr>
+                </a:tc>
+                <a:extLst>
+                  <a:ext uri="{0D108BD9-81ED-4DB2-BD59-A6C34878D82A}">
+                    <a16:rowId xmlns:a16="http://schemas.microsoft.com/office/drawing/2014/main" val="439980139"/>
+                  </a:ext>
+                </a:extLst>
+              </a:tr>
+              <a:tr h="0">
+                <a:tc>
+                  <a:txBody>
+                    <a:bodyPr/>
+                    <a:lstStyle/>
+                    <a:p>
+                      <a:pPr algn="r" fontAlgn="ctr"/>
+                      <a:r>
+                        <a:rPr lang="en-AU" b="1">
+                          <a:effectLst/>
+                        </a:rPr>
+                        <a:t>50%</a:t>
+                      </a:r>
+                    </a:p>
+                  </a:txBody>
+                  <a:tcPr anchor="ctr">
+                    <a:lnL>
+                      <a:noFill/>
+                    </a:lnL>
+                    <a:lnR>
+                      <a:noFill/>
+                    </a:lnR>
+                    <a:lnT>
+                      <a:noFill/>
+                    </a:lnT>
+                    <a:lnB>
+                      <a:noFill/>
+                    </a:lnB>
+                  </a:tcPr>
+                </a:tc>
+                <a:tc>
+                  <a:txBody>
+                    <a:bodyPr/>
+                    <a:lstStyle/>
+                    <a:p>
+                      <a:pPr algn="r" fontAlgn="ctr"/>
+                      <a:r>
+                        <a:rPr lang="en-AU">
+                          <a:effectLst/>
+                        </a:rPr>
+                        <a:t>33.000000</a:t>
+                      </a:r>
+                    </a:p>
+                  </a:txBody>
+                  <a:tcPr anchor="ctr">
+                    <a:lnL>
+                      <a:noFill/>
+                    </a:lnL>
+                    <a:lnR>
+                      <a:noFill/>
+                    </a:lnR>
+                    <a:lnT>
+                      <a:noFill/>
+                    </a:lnT>
+                    <a:lnB>
+                      <a:noFill/>
+                    </a:lnB>
+                  </a:tcPr>
+                </a:tc>
+                <a:tc>
+                  <a:txBody>
+                    <a:bodyPr/>
+                    <a:lstStyle/>
+                    <a:p>
+                      <a:pPr algn="r" fontAlgn="ctr"/>
+                      <a:r>
+                        <a:rPr lang="en-AU">
+                          <a:effectLst/>
+                        </a:rPr>
+                        <a:t>527.000000</a:t>
+                      </a:r>
+                    </a:p>
+                  </a:txBody>
+                  <a:tcPr anchor="ctr">
+                    <a:lnL>
+                      <a:noFill/>
+                    </a:lnL>
+                    <a:lnR>
+                      <a:noFill/>
+                    </a:lnR>
+                    <a:lnT>
+                      <a:noFill/>
+                    </a:lnT>
+                    <a:lnB>
+                      <a:noFill/>
+                    </a:lnB>
+                  </a:tcPr>
+                </a:tc>
+                <a:tc>
+                  <a:txBody>
+                    <a:bodyPr/>
+                    <a:lstStyle/>
+                    <a:p>
+                      <a:pPr algn="r" fontAlgn="ctr"/>
+                      <a:r>
+                        <a:rPr lang="en-AU">
+                          <a:effectLst/>
+                        </a:rPr>
+                        <a:t>525.000000</a:t>
+                      </a:r>
+                    </a:p>
+                  </a:txBody>
+                  <a:tcPr anchor="ctr">
+                    <a:lnL>
+                      <a:noFill/>
+                    </a:lnL>
+                    <a:lnR>
+                      <a:noFill/>
+                    </a:lnR>
+                    <a:lnT>
+                      <a:noFill/>
+                    </a:lnT>
+                    <a:lnB>
+                      <a:noFill/>
+                    </a:lnB>
+                  </a:tcPr>
+                </a:tc>
+                <a:extLst>
+                  <a:ext uri="{0D108BD9-81ED-4DB2-BD59-A6C34878D82A}">
+                    <a16:rowId xmlns:a16="http://schemas.microsoft.com/office/drawing/2014/main" val="3956113784"/>
+                  </a:ext>
+                </a:extLst>
+              </a:tr>
+              <a:tr h="0">
+                <a:tc>
+                  <a:txBody>
+                    <a:bodyPr/>
+                    <a:lstStyle/>
+                    <a:p>
+                      <a:pPr algn="r" fontAlgn="ctr"/>
+                      <a:r>
+                        <a:rPr lang="en-AU" b="1">
+                          <a:effectLst/>
+                        </a:rPr>
+                        <a:t>75%</a:t>
+                      </a:r>
+                    </a:p>
+                  </a:txBody>
+                  <a:tcPr anchor="ctr">
+                    <a:lnL>
+                      <a:noFill/>
+                    </a:lnL>
+                    <a:lnR>
+                      <a:noFill/>
+                    </a:lnR>
+                    <a:lnT>
+                      <a:noFill/>
+                    </a:lnT>
+                    <a:lnB>
+                      <a:noFill/>
+                    </a:lnB>
+                    <a:solidFill>
+                      <a:srgbClr val="F5F5F5"/>
+                    </a:solidFill>
+                  </a:tcPr>
+                </a:tc>
+                <a:tc>
+                  <a:txBody>
+                    <a:bodyPr/>
+                    <a:lstStyle/>
+                    <a:p>
+                      <a:pPr algn="r" fontAlgn="ctr"/>
+                      <a:r>
+                        <a:rPr lang="en-AU">
+                          <a:effectLst/>
+                        </a:rPr>
+                        <a:t>64.000000</a:t>
+                      </a:r>
+                    </a:p>
+                  </a:txBody>
+                  <a:tcPr anchor="ctr">
+                    <a:lnL>
+                      <a:noFill/>
+                    </a:lnL>
+                    <a:lnR>
+                      <a:noFill/>
+                    </a:lnR>
+                    <a:lnT>
+                      <a:noFill/>
+                    </a:lnT>
+                    <a:lnB>
+                      <a:noFill/>
+                    </a:lnB>
+                    <a:solidFill>
+                      <a:srgbClr val="F5F5F5"/>
+                    </a:solidFill>
+                  </a:tcPr>
+                </a:tc>
+                <a:tc>
+                  <a:txBody>
+                    <a:bodyPr/>
+                    <a:lstStyle/>
+                    <a:p>
+                      <a:pPr algn="r" fontAlgn="ctr"/>
+                      <a:r>
+                        <a:rPr lang="en-AU">
+                          <a:effectLst/>
+                        </a:rPr>
+                        <a:t>562.000000</a:t>
+                      </a:r>
+                    </a:p>
+                  </a:txBody>
+                  <a:tcPr anchor="ctr">
+                    <a:lnL>
+                      <a:noFill/>
+                    </a:lnL>
+                    <a:lnR>
+                      <a:noFill/>
+                    </a:lnR>
+                    <a:lnT>
+                      <a:noFill/>
+                    </a:lnT>
+                    <a:lnB>
+                      <a:noFill/>
+                    </a:lnB>
+                    <a:solidFill>
+                      <a:srgbClr val="F5F5F5"/>
+                    </a:solidFill>
+                  </a:tcPr>
+                </a:tc>
+                <a:tc>
+                  <a:txBody>
+                    <a:bodyPr/>
+                    <a:lstStyle/>
+                    <a:p>
+                      <a:pPr algn="r" fontAlgn="ctr"/>
+                      <a:r>
+                        <a:rPr lang="en-AU">
+                          <a:effectLst/>
+                        </a:rPr>
+                        <a:t>557.500000</a:t>
+                      </a:r>
+                    </a:p>
+                  </a:txBody>
+                  <a:tcPr anchor="ctr">
+                    <a:lnL>
+                      <a:noFill/>
+                    </a:lnL>
+                    <a:lnR>
+                      <a:noFill/>
+                    </a:lnR>
+                    <a:lnT>
+                      <a:noFill/>
+                    </a:lnT>
+                    <a:lnB>
+                      <a:noFill/>
+                    </a:lnB>
+                    <a:solidFill>
+                      <a:srgbClr val="F5F5F5"/>
+                    </a:solidFill>
+                  </a:tcPr>
+                </a:tc>
+                <a:extLst>
+                  <a:ext uri="{0D108BD9-81ED-4DB2-BD59-A6C34878D82A}">
+                    <a16:rowId xmlns:a16="http://schemas.microsoft.com/office/drawing/2014/main" val="449103444"/>
+                  </a:ext>
+                </a:extLst>
+              </a:tr>
+              <a:tr h="0">
+                <a:tc>
+                  <a:txBody>
+                    <a:bodyPr/>
+                    <a:lstStyle/>
+                    <a:p>
+                      <a:pPr algn="r" fontAlgn="ctr"/>
+                      <a:r>
+                        <a:rPr lang="en-AU" b="1">
+                          <a:effectLst/>
+                        </a:rPr>
+                        <a:t>max</a:t>
+                      </a:r>
+                    </a:p>
+                  </a:txBody>
+                  <a:tcPr anchor="ctr">
+                    <a:lnL>
+                      <a:noFill/>
+                    </a:lnL>
+                    <a:lnR>
+                      <a:noFill/>
+                    </a:lnR>
+                    <a:lnT>
+                      <a:noFill/>
+                    </a:lnT>
+                    <a:lnB>
+                      <a:noFill/>
+                    </a:lnB>
+                  </a:tcPr>
+                </a:tc>
+                <a:tc>
+                  <a:txBody>
+                    <a:bodyPr/>
+                    <a:lstStyle/>
+                    <a:p>
+                      <a:pPr algn="r" fontAlgn="ctr"/>
+                      <a:r>
+                        <a:rPr lang="en-AU">
+                          <a:effectLst/>
+                        </a:rPr>
+                        <a:t>82.000000</a:t>
+                      </a:r>
+                    </a:p>
+                  </a:txBody>
+                  <a:tcPr anchor="ctr">
+                    <a:lnL>
+                      <a:noFill/>
+                    </a:lnL>
+                    <a:lnR>
+                      <a:noFill/>
+                    </a:lnR>
+                    <a:lnT>
+                      <a:noFill/>
+                    </a:lnT>
+                    <a:lnB>
+                      <a:noFill/>
+                    </a:lnB>
+                  </a:tcPr>
+                </a:tc>
+                <a:tc>
+                  <a:txBody>
+                    <a:bodyPr/>
+                    <a:lstStyle/>
+                    <a:p>
+                      <a:pPr algn="r" fontAlgn="ctr"/>
+                      <a:r>
+                        <a:rPr lang="en-AU">
+                          <a:effectLst/>
+                        </a:rPr>
+                        <a:t>593.000000</a:t>
+                      </a:r>
+                    </a:p>
+                  </a:txBody>
+                  <a:tcPr anchor="ctr">
+                    <a:lnL>
+                      <a:noFill/>
+                    </a:lnL>
+                    <a:lnR>
+                      <a:noFill/>
+                    </a:lnR>
+                    <a:lnT>
+                      <a:noFill/>
+                    </a:lnT>
+                    <a:lnB>
+                      <a:noFill/>
+                    </a:lnB>
+                  </a:tcPr>
+                </a:tc>
+                <a:tc>
+                  <a:txBody>
+                    <a:bodyPr/>
+                    <a:lstStyle/>
+                    <a:p>
+                      <a:pPr algn="r" fontAlgn="ctr"/>
+                      <a:r>
+                        <a:rPr lang="en-AU" dirty="0">
+                          <a:effectLst/>
+                        </a:rPr>
+                        <a:t>603.000000</a:t>
+                      </a:r>
+                    </a:p>
+                  </a:txBody>
+                  <a:tcPr anchor="ctr">
+                    <a:lnL>
+                      <a:noFill/>
+                    </a:lnL>
+                    <a:lnR>
+                      <a:noFill/>
+                    </a:lnR>
+                    <a:lnT>
+                      <a:noFill/>
+                    </a:lnT>
+                    <a:lnB>
+                      <a:noFill/>
+                    </a:lnB>
+                  </a:tcPr>
+                </a:tc>
+                <a:extLst>
+                  <a:ext uri="{0D108BD9-81ED-4DB2-BD59-A6C34878D82A}">
+                    <a16:rowId xmlns:a16="http://schemas.microsoft.com/office/drawing/2014/main" val="802498399"/>
+                  </a:ext>
+                </a:extLst>
+              </a:tr>
+            </a:tbl>
+          </a:graphicData>
+        </a:graphic>
+      </p:graphicFrame>
+    </p:spTree>
+    <p:extLst>
+      <p:ext uri="{BB962C8B-B14F-4D97-AF65-F5344CB8AC3E}">
+        <p14:creationId xmlns:p14="http://schemas.microsoft.com/office/powerpoint/2010/main" val="935353973"/>
+      </p:ext>
+    </p:extLst>
+  </p:cSld>
+  <p:clrMapOvr>
+    <a:masterClrMapping/>
+  </p:clrMapOvr>
+</p:sld>
+</file>
+
+<file path=ppt/slides/slide6.xml><?xml version="1.0" encoding="utf-8"?>
+<p:sld xmlns:a="http://schemas.openxmlformats.org/drawingml/2006/main" xmlns:r="http://schemas.openxmlformats.org/officeDocument/2006/relationships" xmlns:p="http://schemas.openxmlformats.org/presentationml/2006/main">
+  <p:cSld>
+    <p:spTree>
+      <p:nvGrpSpPr>
+        <p:cNvPr id="1" name=""/>
+        <p:cNvGrpSpPr/>
+        <p:nvPr/>
+      </p:nvGrpSpPr>
+      <p:grpSpPr>
+        <a:xfrm>
+          <a:off x="0" y="0"/>
+          <a:ext cx="0" cy="0"/>
+          <a:chOff x="0" y="0"/>
+          <a:chExt cx="0" cy="0"/>
+        </a:xfrm>
+      </p:grpSpPr>
+      <p:sp>
+        <p:nvSpPr>
+          <p:cNvPr id="2" name="Title 1">
+            <a:extLst>
+              <a:ext uri="{FF2B5EF4-FFF2-40B4-BE49-F238E27FC236}">
                 <a16:creationId xmlns:a16="http://schemas.microsoft.com/office/drawing/2014/main" id="{9126712E-2697-450E-AF0B-0F5DB6060A62}"/>
               </a:ext>
             </a:extLst>
@@ -15772,7 +16396,7 @@
 </p:sld>
 </file>
 
-<file path=ppt/slides/slide6.xml><?xml version="1.0" encoding="utf-8"?>
+<file path=ppt/slides/slide7.xml><?xml version="1.0" encoding="utf-8"?>
 <p:sld xmlns:a="http://schemas.openxmlformats.org/drawingml/2006/main" xmlns:r="http://schemas.openxmlformats.org/officeDocument/2006/relationships" xmlns:p="http://schemas.openxmlformats.org/presentationml/2006/main">
   <p:cSld>
     <p:spTree>
@@ -15879,7 +16503,7 @@
 </p:sld>
 </file>
 
-<file path=ppt/slides/slide7.xml><?xml version="1.0" encoding="utf-8"?>
+<file path=ppt/slides/slide8.xml><?xml version="1.0" encoding="utf-8"?>
 <p:sld xmlns:a="http://schemas.openxmlformats.org/drawingml/2006/main" xmlns:r="http://schemas.openxmlformats.org/officeDocument/2006/relationships" xmlns:p="http://schemas.openxmlformats.org/presentationml/2006/main">
   <p:cSld>
     <p:spTree>
@@ -19491,7 +20115,7 @@
 </p:sld>
 </file>
 
-<file path=ppt/slides/slide8.xml><?xml version="1.0" encoding="utf-8"?>
+<file path=ppt/slides/slide9.xml><?xml version="1.0" encoding="utf-8"?>
 <p:sld xmlns:a="http://schemas.openxmlformats.org/drawingml/2006/main" xmlns:r="http://schemas.openxmlformats.org/officeDocument/2006/relationships" xmlns:p="http://schemas.openxmlformats.org/presentationml/2006/main">
   <p:cSld>
     <p:spTree>
@@ -21215,633 +21839,6 @@
     <p:extLst>
       <p:ext uri="{BB962C8B-B14F-4D97-AF65-F5344CB8AC3E}">
         <p14:creationId xmlns:p14="http://schemas.microsoft.com/office/powerpoint/2010/main" val="3977699607"/>
-      </p:ext>
-    </p:extLst>
-  </p:cSld>
-  <p:clrMapOvr>
-    <a:masterClrMapping/>
-  </p:clrMapOvr>
-</p:sld>
-</file>
-
-<file path=ppt/slides/slide9.xml><?xml version="1.0" encoding="utf-8"?>
-<p:sld xmlns:a="http://schemas.openxmlformats.org/drawingml/2006/main" xmlns:r="http://schemas.openxmlformats.org/officeDocument/2006/relationships" xmlns:p="http://schemas.openxmlformats.org/presentationml/2006/main">
-  <p:cSld>
-    <p:spTree>
-      <p:nvGrpSpPr>
-        <p:cNvPr id="1" name=""/>
-        <p:cNvGrpSpPr/>
-        <p:nvPr/>
-      </p:nvGrpSpPr>
-      <p:grpSpPr>
-        <a:xfrm>
-          <a:off x="0" y="0"/>
-          <a:ext cx="0" cy="0"/>
-          <a:chOff x="0" y="0"/>
-          <a:chExt cx="0" cy="0"/>
-        </a:xfrm>
-      </p:grpSpPr>
-      <p:sp>
-        <p:nvSpPr>
-          <p:cNvPr id="2" name="Title 1">
-            <a:extLst>
-              <a:ext uri="{FF2B5EF4-FFF2-40B4-BE49-F238E27FC236}">
-                <a16:creationId xmlns:a16="http://schemas.microsoft.com/office/drawing/2014/main" id="{5F9C5640-C190-420E-B77D-C2DF9C7A7E1C}"/>
-              </a:ext>
-            </a:extLst>
-          </p:cNvPr>
-          <p:cNvSpPr>
-            <a:spLocks noGrp="1"/>
-          </p:cNvSpPr>
-          <p:nvPr>
-            <p:ph type="title"/>
-          </p:nvPr>
-        </p:nvSpPr>
-        <p:spPr/>
-        <p:txBody>
-          <a:bodyPr/>
-          <a:lstStyle/>
-          <a:p>
-            <a:r>
-              <a:rPr lang="en-AU" dirty="0"/>
-              <a:t>Correlation table</a:t>
-            </a:r>
-          </a:p>
-        </p:txBody>
-      </p:sp>
-      <p:graphicFrame>
-        <p:nvGraphicFramePr>
-          <p:cNvPr id="4" name="Content Placeholder 3">
-            <a:extLst>
-              <a:ext uri="{FF2B5EF4-FFF2-40B4-BE49-F238E27FC236}">
-                <a16:creationId xmlns:a16="http://schemas.microsoft.com/office/drawing/2014/main" id="{45354549-9A97-40FF-ACEF-4C38406910A2}"/>
-              </a:ext>
-            </a:extLst>
-          </p:cNvPr>
-          <p:cNvGraphicFramePr>
-            <a:graphicFrameLocks noGrp="1"/>
-          </p:cNvGraphicFramePr>
-          <p:nvPr>
-            <p:ph idx="1"/>
-            <p:extLst>
-              <p:ext uri="{D42A27DB-BD31-4B8C-83A1-F6EECF244321}">
-                <p14:modId xmlns:p14="http://schemas.microsoft.com/office/powerpoint/2010/main" val="209630792"/>
-              </p:ext>
-            </p:extLst>
-          </p:nvPr>
-        </p:nvGraphicFramePr>
-        <p:xfrm>
-          <a:off x="838200" y="3132614"/>
-          <a:ext cx="10515600" cy="1737360"/>
-        </p:xfrm>
-        <a:graphic>
-          <a:graphicData uri="http://schemas.openxmlformats.org/drawingml/2006/table">
-            <a:tbl>
-              <a:tblPr/>
-              <a:tblGrid>
-                <a:gridCol w="2628900">
-                  <a:extLst>
-                    <a:ext uri="{9D8B030D-6E8A-4147-A177-3AD203B41FA5}">
-                      <a16:colId xmlns:a16="http://schemas.microsoft.com/office/drawing/2014/main" val="100273726"/>
-                    </a:ext>
-                  </a:extLst>
-                </a:gridCol>
-                <a:gridCol w="2628900">
-                  <a:extLst>
-                    <a:ext uri="{9D8B030D-6E8A-4147-A177-3AD203B41FA5}">
-                      <a16:colId xmlns:a16="http://schemas.microsoft.com/office/drawing/2014/main" val="1502110038"/>
-                    </a:ext>
-                  </a:extLst>
-                </a:gridCol>
-                <a:gridCol w="2628900">
-                  <a:extLst>
-                    <a:ext uri="{9D8B030D-6E8A-4147-A177-3AD203B41FA5}">
-                      <a16:colId xmlns:a16="http://schemas.microsoft.com/office/drawing/2014/main" val="1650925398"/>
-                    </a:ext>
-                  </a:extLst>
-                </a:gridCol>
-                <a:gridCol w="2628900">
-                  <a:extLst>
-                    <a:ext uri="{9D8B030D-6E8A-4147-A177-3AD203B41FA5}">
-                      <a16:colId xmlns:a16="http://schemas.microsoft.com/office/drawing/2014/main" val="1989199074"/>
-                    </a:ext>
-                  </a:extLst>
-                </a:gridCol>
-              </a:tblGrid>
-              <a:tr h="0">
-                <a:tc>
-                  <a:txBody>
-                    <a:bodyPr/>
-                    <a:lstStyle/>
-                    <a:p>
-                      <a:pPr algn="r" fontAlgn="ctr"/>
-                      <a:endParaRPr lang="en-AU" b="1" dirty="0">
-                        <a:effectLst/>
-                      </a:endParaRPr>
-                    </a:p>
-                  </a:txBody>
-                  <a:tcPr anchor="ctr">
-                    <a:lnL>
-                      <a:noFill/>
-                    </a:lnL>
-                    <a:lnR>
-                      <a:noFill/>
-                    </a:lnR>
-                    <a:lnT>
-                      <a:noFill/>
-                    </a:lnT>
-                    <a:lnB>
-                      <a:noFill/>
-                    </a:lnB>
-                  </a:tcPr>
-                </a:tc>
-                <a:tc>
-                  <a:txBody>
-                    <a:bodyPr/>
-                    <a:lstStyle/>
-                    <a:p>
-                      <a:pPr algn="r" fontAlgn="ctr"/>
-                      <a:br>
-                        <a:rPr lang="en-AU" b="1" dirty="0">
-                          <a:effectLst/>
-                        </a:rPr>
-                      </a:br>
-                      <a:r>
-                        <a:rPr lang="en-AU" b="1" dirty="0">
-                          <a:effectLst/>
-                        </a:rPr>
-                        <a:t>Rate</a:t>
-                      </a:r>
-                    </a:p>
-                  </a:txBody>
-                  <a:tcPr anchor="ctr">
-                    <a:lnL>
-                      <a:noFill/>
-                    </a:lnL>
-                    <a:lnR>
-                      <a:noFill/>
-                    </a:lnR>
-                    <a:lnT>
-                      <a:noFill/>
-                    </a:lnT>
-                    <a:lnB>
-                      <a:noFill/>
-                    </a:lnB>
-                  </a:tcPr>
-                </a:tc>
-                <a:tc>
-                  <a:txBody>
-                    <a:bodyPr/>
-                    <a:lstStyle/>
-                    <a:p>
-                      <a:pPr algn="r" fontAlgn="ctr"/>
-                      <a:r>
-                        <a:rPr lang="en-AU" b="1" dirty="0">
-                          <a:effectLst/>
-                        </a:rPr>
-                        <a:t>Verbal</a:t>
-                      </a:r>
-                    </a:p>
-                  </a:txBody>
-                  <a:tcPr anchor="ctr">
-                    <a:lnL>
-                      <a:noFill/>
-                    </a:lnL>
-                    <a:lnR>
-                      <a:noFill/>
-                    </a:lnR>
-                    <a:lnT>
-                      <a:noFill/>
-                    </a:lnT>
-                    <a:lnB>
-                      <a:noFill/>
-                    </a:lnB>
-                  </a:tcPr>
-                </a:tc>
-                <a:tc>
-                  <a:txBody>
-                    <a:bodyPr/>
-                    <a:lstStyle/>
-                    <a:p>
-                      <a:pPr algn="r" fontAlgn="ctr"/>
-                      <a:r>
-                        <a:rPr lang="en-AU" b="1" dirty="0">
-                          <a:effectLst/>
-                        </a:rPr>
-                        <a:t>Math</a:t>
-                      </a:r>
-                    </a:p>
-                  </a:txBody>
-                  <a:tcPr anchor="ctr">
-                    <a:lnL>
-                      <a:noFill/>
-                    </a:lnL>
-                  </a:tcPr>
-                </a:tc>
-                <a:extLst>
-                  <a:ext uri="{0D108BD9-81ED-4DB2-BD59-A6C34878D82A}">
-                    <a16:rowId xmlns:a16="http://schemas.microsoft.com/office/drawing/2014/main" val="2855634522"/>
-                  </a:ext>
-                </a:extLst>
-              </a:tr>
-              <a:tr h="0">
-                <a:tc>
-                  <a:txBody>
-                    <a:bodyPr/>
-                    <a:lstStyle/>
-                    <a:p>
-                      <a:pPr algn="r" fontAlgn="ctr"/>
-                      <a:r>
-                        <a:rPr lang="en-AU" b="1">
-                          <a:effectLst/>
-                        </a:rPr>
-                        <a:t>Rate</a:t>
-                      </a:r>
-                    </a:p>
-                  </a:txBody>
-                  <a:tcPr anchor="ctr">
-                    <a:lnL>
-                      <a:noFill/>
-                    </a:lnL>
-                    <a:lnR>
-                      <a:noFill/>
-                    </a:lnR>
-                    <a:lnT>
-                      <a:noFill/>
-                    </a:lnT>
-                    <a:lnB>
-                      <a:noFill/>
-                    </a:lnB>
-                    <a:solidFill>
-                      <a:srgbClr val="F5F5F5"/>
-                    </a:solidFill>
-                  </a:tcPr>
-                </a:tc>
-                <a:tc>
-                  <a:txBody>
-                    <a:bodyPr/>
-                    <a:lstStyle/>
-                    <a:p>
-                      <a:pPr algn="r" fontAlgn="ctr"/>
-                      <a:r>
-                        <a:rPr lang="en-AU">
-                          <a:effectLst/>
-                        </a:rPr>
-                        <a:t>1.000000</a:t>
-                      </a:r>
-                    </a:p>
-                  </a:txBody>
-                  <a:tcPr anchor="ctr">
-                    <a:lnL>
-                      <a:noFill/>
-                    </a:lnL>
-                    <a:lnR>
-                      <a:noFill/>
-                    </a:lnR>
-                    <a:lnT>
-                      <a:noFill/>
-                    </a:lnT>
-                    <a:lnB>
-                      <a:noFill/>
-                    </a:lnB>
-                    <a:solidFill>
-                      <a:srgbClr val="F5F5F5"/>
-                    </a:solidFill>
-                  </a:tcPr>
-                </a:tc>
-                <a:tc>
-                  <a:txBody>
-                    <a:bodyPr/>
-                    <a:lstStyle/>
-                    <a:p>
-                      <a:pPr algn="r" fontAlgn="ctr"/>
-                      <a:r>
-                        <a:rPr lang="en-AU">
-                          <a:effectLst/>
-                        </a:rPr>
-                        <a:t>-0.888121</a:t>
-                      </a:r>
-                    </a:p>
-                  </a:txBody>
-                  <a:tcPr anchor="ctr">
-                    <a:lnL>
-                      <a:noFill/>
-                    </a:lnL>
-                    <a:lnR>
-                      <a:noFill/>
-                    </a:lnR>
-                    <a:lnT>
-                      <a:noFill/>
-                    </a:lnT>
-                    <a:lnB>
-                      <a:noFill/>
-                    </a:lnB>
-                    <a:solidFill>
-                      <a:srgbClr val="F5F5F5"/>
-                    </a:solidFill>
-                  </a:tcPr>
-                </a:tc>
-                <a:tc>
-                  <a:txBody>
-                    <a:bodyPr/>
-                    <a:lstStyle/>
-                    <a:p>
-                      <a:pPr algn="r" fontAlgn="ctr"/>
-                      <a:r>
-                        <a:rPr lang="en-AU">
-                          <a:effectLst/>
-                        </a:rPr>
-                        <a:t>-0.773419</a:t>
-                      </a:r>
-                    </a:p>
-                  </a:txBody>
-                  <a:tcPr anchor="ctr">
-                    <a:lnL>
-                      <a:noFill/>
-                    </a:lnL>
-                    <a:lnR>
-                      <a:noFill/>
-                    </a:lnR>
-                    <a:lnB>
-                      <a:noFill/>
-                    </a:lnB>
-                    <a:solidFill>
-                      <a:srgbClr val="F5F5F5"/>
-                    </a:solidFill>
-                  </a:tcPr>
-                </a:tc>
-                <a:extLst>
-                  <a:ext uri="{0D108BD9-81ED-4DB2-BD59-A6C34878D82A}">
-                    <a16:rowId xmlns:a16="http://schemas.microsoft.com/office/drawing/2014/main" val="3146850224"/>
-                  </a:ext>
-                </a:extLst>
-              </a:tr>
-              <a:tr h="0">
-                <a:tc>
-                  <a:txBody>
-                    <a:bodyPr/>
-                    <a:lstStyle/>
-                    <a:p>
-                      <a:pPr algn="r" fontAlgn="ctr"/>
-                      <a:r>
-                        <a:rPr lang="en-AU" b="1">
-                          <a:effectLst/>
-                        </a:rPr>
-                        <a:t>Verbal</a:t>
-                      </a:r>
-                    </a:p>
-                  </a:txBody>
-                  <a:tcPr anchor="ctr">
-                    <a:lnL>
-                      <a:noFill/>
-                    </a:lnL>
-                    <a:lnR>
-                      <a:noFill/>
-                    </a:lnR>
-                    <a:lnT>
-                      <a:noFill/>
-                    </a:lnT>
-                    <a:lnB>
-                      <a:noFill/>
-                    </a:lnB>
-                  </a:tcPr>
-                </a:tc>
-                <a:tc>
-                  <a:txBody>
-                    <a:bodyPr/>
-                    <a:lstStyle/>
-                    <a:p>
-                      <a:pPr algn="r" fontAlgn="ctr"/>
-                      <a:r>
-                        <a:rPr lang="en-AU">
-                          <a:effectLst/>
-                        </a:rPr>
-                        <a:t>-0.888121</a:t>
-                      </a:r>
-                    </a:p>
-                  </a:txBody>
-                  <a:tcPr anchor="ctr">
-                    <a:lnL>
-                      <a:noFill/>
-                    </a:lnL>
-                    <a:lnR>
-                      <a:noFill/>
-                    </a:lnR>
-                    <a:lnT>
-                      <a:noFill/>
-                    </a:lnT>
-                    <a:lnB>
-                      <a:noFill/>
-                    </a:lnB>
-                  </a:tcPr>
-                </a:tc>
-                <a:tc>
-                  <a:txBody>
-                    <a:bodyPr/>
-                    <a:lstStyle/>
-                    <a:p>
-                      <a:pPr algn="r" fontAlgn="ctr"/>
-                      <a:r>
-                        <a:rPr lang="en-AU">
-                          <a:effectLst/>
-                        </a:rPr>
-                        <a:t>1.000000</a:t>
-                      </a:r>
-                    </a:p>
-                  </a:txBody>
-                  <a:tcPr anchor="ctr">
-                    <a:lnL>
-                      <a:noFill/>
-                    </a:lnL>
-                    <a:lnR>
-                      <a:noFill/>
-                    </a:lnR>
-                    <a:lnT>
-                      <a:noFill/>
-                    </a:lnT>
-                    <a:lnB>
-                      <a:noFill/>
-                    </a:lnB>
-                  </a:tcPr>
-                </a:tc>
-                <a:tc>
-                  <a:txBody>
-                    <a:bodyPr/>
-                    <a:lstStyle/>
-                    <a:p>
-                      <a:pPr algn="r" fontAlgn="ctr"/>
-                      <a:r>
-                        <a:rPr lang="en-AU">
-                          <a:effectLst/>
-                        </a:rPr>
-                        <a:t>0.899909</a:t>
-                      </a:r>
-                    </a:p>
-                  </a:txBody>
-                  <a:tcPr anchor="ctr">
-                    <a:lnL>
-                      <a:noFill/>
-                    </a:lnL>
-                    <a:lnR>
-                      <a:noFill/>
-                    </a:lnR>
-                    <a:lnT>
-                      <a:noFill/>
-                    </a:lnT>
-                    <a:lnB>
-                      <a:noFill/>
-                    </a:lnB>
-                  </a:tcPr>
-                </a:tc>
-                <a:extLst>
-                  <a:ext uri="{0D108BD9-81ED-4DB2-BD59-A6C34878D82A}">
-                    <a16:rowId xmlns:a16="http://schemas.microsoft.com/office/drawing/2014/main" val="2701283278"/>
-                  </a:ext>
-                </a:extLst>
-              </a:tr>
-              <a:tr h="0">
-                <a:tc>
-                  <a:txBody>
-                    <a:bodyPr/>
-                    <a:lstStyle/>
-                    <a:p>
-                      <a:pPr algn="r" fontAlgn="ctr"/>
-                      <a:r>
-                        <a:rPr lang="en-AU" b="1">
-                          <a:effectLst/>
-                        </a:rPr>
-                        <a:t>Math</a:t>
-                      </a:r>
-                    </a:p>
-                  </a:txBody>
-                  <a:tcPr anchor="ctr">
-                    <a:lnL>
-                      <a:noFill/>
-                    </a:lnL>
-                    <a:lnR>
-                      <a:noFill/>
-                    </a:lnR>
-                    <a:lnT>
-                      <a:noFill/>
-                    </a:lnT>
-                    <a:lnB>
-                      <a:noFill/>
-                    </a:lnB>
-                    <a:solidFill>
-                      <a:srgbClr val="F5F5F5"/>
-                    </a:solidFill>
-                  </a:tcPr>
-                </a:tc>
-                <a:tc>
-                  <a:txBody>
-                    <a:bodyPr/>
-                    <a:lstStyle/>
-                    <a:p>
-                      <a:pPr algn="r" fontAlgn="ctr"/>
-                      <a:r>
-                        <a:rPr lang="en-AU">
-                          <a:effectLst/>
-                        </a:rPr>
-                        <a:t>-0.773419</a:t>
-                      </a:r>
-                    </a:p>
-                  </a:txBody>
-                  <a:tcPr anchor="ctr">
-                    <a:lnL>
-                      <a:noFill/>
-                    </a:lnL>
-                    <a:lnR>
-                      <a:noFill/>
-                    </a:lnR>
-                    <a:lnT>
-                      <a:noFill/>
-                    </a:lnT>
-                    <a:lnB>
-                      <a:noFill/>
-                    </a:lnB>
-                    <a:solidFill>
-                      <a:srgbClr val="F5F5F5"/>
-                    </a:solidFill>
-                  </a:tcPr>
-                </a:tc>
-                <a:tc>
-                  <a:txBody>
-                    <a:bodyPr/>
-                    <a:lstStyle/>
-                    <a:p>
-                      <a:pPr algn="r" fontAlgn="ctr"/>
-                      <a:r>
-                        <a:rPr lang="en-AU">
-                          <a:effectLst/>
-                        </a:rPr>
-                        <a:t>0.899909</a:t>
-                      </a:r>
-                    </a:p>
-                  </a:txBody>
-                  <a:tcPr anchor="ctr">
-                    <a:lnL>
-                      <a:noFill/>
-                    </a:lnL>
-                    <a:lnR>
-                      <a:noFill/>
-                    </a:lnR>
-                    <a:lnT>
-                      <a:noFill/>
-                    </a:lnT>
-                    <a:lnB>
-                      <a:noFill/>
-                    </a:lnB>
-                    <a:solidFill>
-                      <a:srgbClr val="F5F5F5"/>
-                    </a:solidFill>
-                  </a:tcPr>
-                </a:tc>
-                <a:tc>
-                  <a:txBody>
-                    <a:bodyPr/>
-                    <a:lstStyle/>
-                    <a:p>
-                      <a:pPr algn="r" fontAlgn="ctr"/>
-                      <a:r>
-                        <a:rPr lang="en-AU" dirty="0">
-                          <a:effectLst/>
-                        </a:rPr>
-                        <a:t>1.000000</a:t>
-                      </a:r>
-                    </a:p>
-                  </a:txBody>
-                  <a:tcPr anchor="ctr">
-                    <a:lnL>
-                      <a:noFill/>
-                    </a:lnL>
-                    <a:lnR>
-                      <a:noFill/>
-                    </a:lnR>
-                    <a:lnT>
-                      <a:noFill/>
-                    </a:lnT>
-                    <a:lnB>
-                      <a:noFill/>
-                    </a:lnB>
-                    <a:solidFill>
-                      <a:srgbClr val="F5F5F5"/>
-                    </a:solidFill>
-                  </a:tcPr>
-                </a:tc>
-                <a:extLst>
-                  <a:ext uri="{0D108BD9-81ED-4DB2-BD59-A6C34878D82A}">
-                    <a16:rowId xmlns:a16="http://schemas.microsoft.com/office/drawing/2014/main" val="3056126282"/>
-                  </a:ext>
-                </a:extLst>
-              </a:tr>
-            </a:tbl>
-          </a:graphicData>
-        </a:graphic>
-      </p:graphicFrame>
-    </p:spTree>
-    <p:extLst>
-      <p:ext uri="{BB962C8B-B14F-4D97-AF65-F5344CB8AC3E}">
-        <p14:creationId xmlns:p14="http://schemas.microsoft.com/office/powerpoint/2010/main" val="2496295884"/>
       </p:ext>
     </p:extLst>
   </p:cSld>
